--- a/JeanPiaget/Presentaciones/Bonus_Heuristios-Sesgos.pptx
+++ b/JeanPiaget/Presentaciones/Bonus_Heuristios-Sesgos.pptx
@@ -8,19 +8,32 @@
     <p:sldId id="256" r:id="rId2"/>
     <p:sldId id="260" r:id="rId3"/>
     <p:sldId id="261" r:id="rId4"/>
-    <p:sldId id="262" r:id="rId5"/>
-    <p:sldId id="265" r:id="rId6"/>
-    <p:sldId id="266" r:id="rId7"/>
-    <p:sldId id="267" r:id="rId8"/>
-    <p:sldId id="268" r:id="rId9"/>
-    <p:sldId id="269" r:id="rId10"/>
-    <p:sldId id="263" r:id="rId11"/>
-    <p:sldId id="264" r:id="rId12"/>
-    <p:sldId id="270" r:id="rId13"/>
-    <p:sldId id="271" r:id="rId14"/>
-    <p:sldId id="258" r:id="rId15"/>
-    <p:sldId id="272" r:id="rId16"/>
-    <p:sldId id="259" r:id="rId17"/>
+    <p:sldId id="275" r:id="rId5"/>
+    <p:sldId id="276" r:id="rId6"/>
+    <p:sldId id="277" r:id="rId7"/>
+    <p:sldId id="262" r:id="rId8"/>
+    <p:sldId id="265" r:id="rId9"/>
+    <p:sldId id="266" r:id="rId10"/>
+    <p:sldId id="267" r:id="rId11"/>
+    <p:sldId id="278" r:id="rId12"/>
+    <p:sldId id="268" r:id="rId13"/>
+    <p:sldId id="269" r:id="rId14"/>
+    <p:sldId id="263" r:id="rId15"/>
+    <p:sldId id="285" r:id="rId16"/>
+    <p:sldId id="280" r:id="rId17"/>
+    <p:sldId id="279" r:id="rId18"/>
+    <p:sldId id="270" r:id="rId19"/>
+    <p:sldId id="271" r:id="rId20"/>
+    <p:sldId id="258" r:id="rId21"/>
+    <p:sldId id="272" r:id="rId22"/>
+    <p:sldId id="274" r:id="rId23"/>
+    <p:sldId id="286" r:id="rId24"/>
+    <p:sldId id="287" r:id="rId25"/>
+    <p:sldId id="281" r:id="rId26"/>
+    <p:sldId id="282" r:id="rId27"/>
+    <p:sldId id="283" r:id="rId28"/>
+    <p:sldId id="284" r:id="rId29"/>
+    <p:sldId id="259" r:id="rId30"/>
   </p:sldIdLst>
   <p:sldSz cx="12192000" cy="6858000"/>
   <p:notesSz cx="6858000" cy="9144000"/>
@@ -119,6 +132,52 @@
       </a:defRPr>
     </a:lvl9pPr>
   </p:defaultTextStyle>
+  <p:extLst>
+    <p:ext uri="{521415D9-36F7-43E2-AB2F-B90AF26B5E84}">
+      <p14:sectionLst xmlns:p14="http://schemas.microsoft.com/office/powerpoint/2010/main">
+        <p14:section name="Sección predeterminada" id="{F65C5A52-09DC-49F4-9C57-C97445A80AAF}">
+          <p14:sldIdLst>
+            <p14:sldId id="256"/>
+            <p14:sldId id="260"/>
+            <p14:sldId id="261"/>
+          </p14:sldIdLst>
+        </p14:section>
+        <p14:section name="Sección sin título" id="{C0394CA6-F2C2-4355-A4D4-4C5D36816BAF}">
+          <p14:sldIdLst>
+            <p14:sldId id="275"/>
+            <p14:sldId id="276"/>
+            <p14:sldId id="277"/>
+            <p14:sldId id="262"/>
+            <p14:sldId id="265"/>
+            <p14:sldId id="266"/>
+            <p14:sldId id="267"/>
+            <p14:sldId id="278"/>
+            <p14:sldId id="268"/>
+            <p14:sldId id="269"/>
+            <p14:sldId id="263"/>
+            <p14:sldId id="285"/>
+            <p14:sldId id="280"/>
+            <p14:sldId id="279"/>
+            <p14:sldId id="270"/>
+            <p14:sldId id="271"/>
+            <p14:sldId id="258"/>
+            <p14:sldId id="272"/>
+            <p14:sldId id="274"/>
+            <p14:sldId id="286"/>
+            <p14:sldId id="287"/>
+            <p14:sldId id="281"/>
+            <p14:sldId id="282"/>
+            <p14:sldId id="283"/>
+            <p14:sldId id="284"/>
+            <p14:sldId id="259"/>
+          </p14:sldIdLst>
+        </p14:section>
+      </p14:sectionLst>
+    </p:ext>
+    <p:ext uri="{EFAFB233-063F-42B5-8137-9DF3F51BA10A}">
+      <p15:sldGuideLst xmlns:p15="http://schemas.microsoft.com/office/powerpoint/2012/main"/>
+    </p:ext>
+  </p:extLst>
 </p:presentation>
 </file>
 
@@ -844,7 +903,7 @@
           <a:p>
             <a:fld id="{ADAE9AF7-8AFE-4614-9C84-C65BF15FA8B3}" type="datetimeFigureOut">
               <a:rPr lang="es-MX" smtClean="0"/>
-              <a:t>10/04/2019</a:t>
+              <a:t>11/04/2019</a:t>
             </a:fld>
             <a:endParaRPr lang="es-MX"/>
           </a:p>
@@ -1095,7 +1154,7 @@
           <a:p>
             <a:fld id="{ADAE9AF7-8AFE-4614-9C84-C65BF15FA8B3}" type="datetimeFigureOut">
               <a:rPr lang="es-MX" smtClean="0"/>
-              <a:t>10/04/2019</a:t>
+              <a:t>11/04/2019</a:t>
             </a:fld>
             <a:endParaRPr lang="es-MX"/>
           </a:p>
@@ -1409,7 +1468,7 @@
           <a:p>
             <a:fld id="{ADAE9AF7-8AFE-4614-9C84-C65BF15FA8B3}" type="datetimeFigureOut">
               <a:rPr lang="es-MX" smtClean="0"/>
-              <a:t>10/04/2019</a:t>
+              <a:t>11/04/2019</a:t>
             </a:fld>
             <a:endParaRPr lang="es-MX"/>
           </a:p>
@@ -1750,7 +1809,7 @@
           <a:p>
             <a:fld id="{ADAE9AF7-8AFE-4614-9C84-C65BF15FA8B3}" type="datetimeFigureOut">
               <a:rPr lang="es-MX" smtClean="0"/>
-              <a:t>10/04/2019</a:t>
+              <a:t>11/04/2019</a:t>
             </a:fld>
             <a:endParaRPr lang="es-MX"/>
           </a:p>
@@ -2064,7 +2123,7 @@
           <a:p>
             <a:fld id="{ADAE9AF7-8AFE-4614-9C84-C65BF15FA8B3}" type="datetimeFigureOut">
               <a:rPr lang="es-MX" smtClean="0"/>
-              <a:t>10/04/2019</a:t>
+              <a:t>11/04/2019</a:t>
             </a:fld>
             <a:endParaRPr lang="es-MX"/>
           </a:p>
@@ -2457,7 +2516,7 @@
           <a:p>
             <a:fld id="{ADAE9AF7-8AFE-4614-9C84-C65BF15FA8B3}" type="datetimeFigureOut">
               <a:rPr lang="es-MX" smtClean="0"/>
-              <a:t>10/04/2019</a:t>
+              <a:t>11/04/2019</a:t>
             </a:fld>
             <a:endParaRPr lang="es-MX"/>
           </a:p>
@@ -2627,7 +2686,7 @@
           <a:p>
             <a:fld id="{ADAE9AF7-8AFE-4614-9C84-C65BF15FA8B3}" type="datetimeFigureOut">
               <a:rPr lang="es-MX" smtClean="0"/>
-              <a:t>10/04/2019</a:t>
+              <a:t>11/04/2019</a:t>
             </a:fld>
             <a:endParaRPr lang="es-MX"/>
           </a:p>
@@ -2807,7 +2866,7 @@
           <a:p>
             <a:fld id="{ADAE9AF7-8AFE-4614-9C84-C65BF15FA8B3}" type="datetimeFigureOut">
               <a:rPr lang="es-MX" smtClean="0"/>
-              <a:t>10/04/2019</a:t>
+              <a:t>11/04/2019</a:t>
             </a:fld>
             <a:endParaRPr lang="es-MX"/>
           </a:p>
@@ -2983,7 +3042,7 @@
           <a:p>
             <a:fld id="{ADAE9AF7-8AFE-4614-9C84-C65BF15FA8B3}" type="datetimeFigureOut">
               <a:rPr lang="es-MX" smtClean="0"/>
-              <a:t>10/04/2019</a:t>
+              <a:t>11/04/2019</a:t>
             </a:fld>
             <a:endParaRPr lang="es-MX"/>
           </a:p>
@@ -3230,7 +3289,7 @@
           <a:p>
             <a:fld id="{ADAE9AF7-8AFE-4614-9C84-C65BF15FA8B3}" type="datetimeFigureOut">
               <a:rPr lang="es-MX" smtClean="0"/>
-              <a:t>10/04/2019</a:t>
+              <a:t>11/04/2019</a:t>
             </a:fld>
             <a:endParaRPr lang="es-MX"/>
           </a:p>
@@ -3462,7 +3521,7 @@
           <a:p>
             <a:fld id="{ADAE9AF7-8AFE-4614-9C84-C65BF15FA8B3}" type="datetimeFigureOut">
               <a:rPr lang="es-MX" smtClean="0"/>
-              <a:t>10/04/2019</a:t>
+              <a:t>11/04/2019</a:t>
             </a:fld>
             <a:endParaRPr lang="es-MX"/>
           </a:p>
@@ -3836,7 +3895,7 @@
           <a:p>
             <a:fld id="{ADAE9AF7-8AFE-4614-9C84-C65BF15FA8B3}" type="datetimeFigureOut">
               <a:rPr lang="es-MX" smtClean="0"/>
-              <a:t>10/04/2019</a:t>
+              <a:t>11/04/2019</a:t>
             </a:fld>
             <a:endParaRPr lang="es-MX"/>
           </a:p>
@@ -3959,7 +4018,7 @@
           <a:p>
             <a:fld id="{ADAE9AF7-8AFE-4614-9C84-C65BF15FA8B3}" type="datetimeFigureOut">
               <a:rPr lang="es-MX" smtClean="0"/>
-              <a:t>10/04/2019</a:t>
+              <a:t>11/04/2019</a:t>
             </a:fld>
             <a:endParaRPr lang="es-MX"/>
           </a:p>
@@ -4054,7 +4113,7 @@
           <a:p>
             <a:fld id="{ADAE9AF7-8AFE-4614-9C84-C65BF15FA8B3}" type="datetimeFigureOut">
               <a:rPr lang="es-MX" smtClean="0"/>
-              <a:t>10/04/2019</a:t>
+              <a:t>11/04/2019</a:t>
             </a:fld>
             <a:endParaRPr lang="es-MX"/>
           </a:p>
@@ -4309,7 +4368,7 @@
           <a:p>
             <a:fld id="{ADAE9AF7-8AFE-4614-9C84-C65BF15FA8B3}" type="datetimeFigureOut">
               <a:rPr lang="es-MX" smtClean="0"/>
-              <a:t>10/04/2019</a:t>
+              <a:t>11/04/2019</a:t>
             </a:fld>
             <a:endParaRPr lang="es-MX"/>
           </a:p>
@@ -4572,7 +4631,7 @@
           <a:p>
             <a:fld id="{ADAE9AF7-8AFE-4614-9C84-C65BF15FA8B3}" type="datetimeFigureOut">
               <a:rPr lang="es-MX" smtClean="0"/>
-              <a:t>10/04/2019</a:t>
+              <a:t>11/04/2019</a:t>
             </a:fld>
             <a:endParaRPr lang="es-MX"/>
           </a:p>
@@ -5315,7 +5374,7 @@
           <a:p>
             <a:fld id="{ADAE9AF7-8AFE-4614-9C84-C65BF15FA8B3}" type="datetimeFigureOut">
               <a:rPr lang="es-MX" smtClean="0"/>
-              <a:t>10/04/2019</a:t>
+              <a:t>11/04/2019</a:t>
             </a:fld>
             <a:endParaRPr lang="es-MX"/>
           </a:p>
@@ -5938,8 +5997,20 @@
           <a:lstStyle/>
           <a:p>
             <a:r>
+              <a:rPr lang="es-MX" b="1" dirty="0" smtClean="0">
+                <a:effectLst>
+                  <a:outerShdw blurRad="38100" dist="38100" dir="2700000" algn="tl">
+                    <a:srgbClr val="000000">
+                      <a:alpha val="43137"/>
+                    </a:srgbClr>
+                  </a:outerShdw>
+                </a:effectLst>
+              </a:rPr>
+              <a:t>Sesgo</a:t>
+            </a:r>
+            <a:r>
               <a:rPr lang="es-MX" dirty="0" smtClean="0"/>
-              <a:t>Heurístico de anclaje</a:t>
+              <a:t> de accesibilidad</a:t>
             </a:r>
             <a:endParaRPr lang="es-MX" dirty="0"/>
           </a:p>
@@ -5955,19 +6026,39 @@
             <p:ph idx="1"/>
           </p:nvPr>
         </p:nvSpPr>
-        <p:spPr/>
-        <p:txBody>
-          <a:bodyPr/>
-          <a:lstStyle/>
-          <a:p>
-            <a:endParaRPr lang="es-MX"/>
+        <p:spPr>
+          <a:xfrm>
+            <a:off x="677333" y="2160589"/>
+            <a:ext cx="8711365" cy="3880773"/>
+          </a:xfrm>
+        </p:spPr>
+        <p:txBody>
+          <a:bodyPr>
+            <a:normAutofit/>
+          </a:bodyPr>
+          <a:lstStyle/>
+          <a:p>
+            <a:pPr lvl="1" algn="just"/>
+            <a:r>
+              <a:rPr lang="es-MX" sz="2100" dirty="0" smtClean="0"/>
+              <a:t>¿Otros ejemplos?</a:t>
+            </a:r>
+            <a:endParaRPr lang="es-MX" sz="2100" dirty="0" smtClean="0"/>
+          </a:p>
+          <a:p>
+            <a:pPr lvl="1" algn="just"/>
+            <a:endParaRPr lang="es-MX" sz="2100" dirty="0"/>
+          </a:p>
+          <a:p>
+            <a:pPr lvl="1" algn="just"/>
+            <a:endParaRPr lang="es-MX" sz="2100" dirty="0" smtClean="0"/>
           </a:p>
         </p:txBody>
       </p:sp>
     </p:spTree>
     <p:extLst>
       <p:ext uri="{BB962C8B-B14F-4D97-AF65-F5344CB8AC3E}">
-        <p14:creationId xmlns:p14="http://schemas.microsoft.com/office/powerpoint/2010/main" val="3047581963"/>
+        <p14:creationId xmlns:p14="http://schemas.microsoft.com/office/powerpoint/2010/main" val="2753083660"/>
       </p:ext>
     </p:extLst>
   </p:cSld>
@@ -6017,8 +6108,20 @@
           <a:lstStyle/>
           <a:p>
             <a:r>
+              <a:rPr lang="es-MX" b="1" dirty="0" smtClean="0">
+                <a:effectLst>
+                  <a:outerShdw blurRad="38100" dist="38100" dir="2700000" algn="tl">
+                    <a:srgbClr val="000000">
+                      <a:alpha val="43137"/>
+                    </a:srgbClr>
+                  </a:outerShdw>
+                </a:effectLst>
+              </a:rPr>
+              <a:t>Sesgo</a:t>
+            </a:r>
+            <a:r>
               <a:rPr lang="es-MX" dirty="0" smtClean="0"/>
-              <a:t>Heurístico de simulación</a:t>
+              <a:t> de accesibilidad</a:t>
             </a:r>
             <a:endParaRPr lang="es-MX" dirty="0"/>
           </a:p>
@@ -6034,19 +6137,121 @@
             <p:ph idx="1"/>
           </p:nvPr>
         </p:nvSpPr>
-        <p:spPr/>
-        <p:txBody>
-          <a:bodyPr/>
-          <a:lstStyle/>
-          <a:p>
-            <a:endParaRPr lang="es-MX"/>
-          </a:p>
-        </p:txBody>
-      </p:sp>
+        <p:spPr>
+          <a:xfrm>
+            <a:off x="677333" y="2160589"/>
+            <a:ext cx="8711365" cy="3880773"/>
+          </a:xfrm>
+        </p:spPr>
+        <p:txBody>
+          <a:bodyPr>
+            <a:normAutofit/>
+          </a:bodyPr>
+          <a:lstStyle/>
+          <a:p>
+            <a:pPr lvl="1" algn="just"/>
+            <a:r>
+              <a:rPr lang="es-MX" sz="2100" dirty="0" smtClean="0"/>
+              <a:t>¿Otros ejemplos?</a:t>
+            </a:r>
+            <a:endParaRPr lang="es-MX" sz="2100" dirty="0" smtClean="0"/>
+          </a:p>
+          <a:p>
+            <a:pPr lvl="1" algn="just"/>
+            <a:endParaRPr lang="es-MX" sz="2100" dirty="0"/>
+          </a:p>
+          <a:p>
+            <a:pPr lvl="1" algn="just"/>
+            <a:endParaRPr lang="es-MX" sz="2100" dirty="0" smtClean="0"/>
+          </a:p>
+        </p:txBody>
+      </p:sp>
+      <p:pic>
+        <p:nvPicPr>
+          <p:cNvPr id="3074" name="Picture 2" descr="Resultado de imagen para Sesgo de accesibilidad"/>
+          <p:cNvPicPr>
+            <a:picLocks noChangeAspect="1" noChangeArrowheads="1"/>
+          </p:cNvPicPr>
+          <p:nvPr/>
+        </p:nvPicPr>
+        <p:blipFill>
+          <a:blip r:embed="rId2">
+            <a:extLst>
+              <a:ext uri="{28A0092B-C50C-407E-A947-70E740481C1C}">
+                <a14:useLocalDpi xmlns:a14="http://schemas.microsoft.com/office/drawing/2010/main" val="0"/>
+              </a:ext>
+            </a:extLst>
+          </a:blip>
+          <a:srcRect/>
+          <a:stretch>
+            <a:fillRect/>
+          </a:stretch>
+        </p:blipFill>
+        <p:spPr bwMode="auto">
+          <a:xfrm>
+            <a:off x="7502885" y="1101735"/>
+            <a:ext cx="4060825" cy="3552418"/>
+          </a:xfrm>
+          <a:prstGeom prst="rect">
+            <a:avLst/>
+          </a:prstGeom>
+          <a:noFill/>
+          <a:extLst>
+            <a:ext uri="{909E8E84-426E-40DD-AFC4-6F175D3DCCD1}">
+              <a14:hiddenFill xmlns:a14="http://schemas.microsoft.com/office/drawing/2010/main">
+                <a:solidFill>
+                  <a:srgbClr val="FFFFFF"/>
+                </a:solidFill>
+              </a14:hiddenFill>
+            </a:ext>
+          </a:extLst>
+        </p:spPr>
+      </p:pic>
+      <p:pic>
+        <p:nvPicPr>
+          <p:cNvPr id="3076" name="Picture 4" descr="Resultado de imagen para sesgo de disponibilidad"/>
+          <p:cNvPicPr>
+            <a:picLocks noChangeAspect="1" noChangeArrowheads="1"/>
+          </p:cNvPicPr>
+          <p:nvPr/>
+        </p:nvPicPr>
+        <p:blipFill>
+          <a:blip r:embed="rId3">
+            <a:extLst>
+              <a:ext uri="{28A0092B-C50C-407E-A947-70E740481C1C}">
+                <a14:useLocalDpi xmlns:a14="http://schemas.microsoft.com/office/drawing/2010/main" val="0"/>
+              </a:ext>
+            </a:extLst>
+          </a:blip>
+          <a:srcRect/>
+          <a:stretch>
+            <a:fillRect/>
+          </a:stretch>
+        </p:blipFill>
+        <p:spPr bwMode="auto">
+          <a:xfrm>
+            <a:off x="2536168" y="3676380"/>
+            <a:ext cx="3507836" cy="2214626"/>
+          </a:xfrm>
+          <a:prstGeom prst="rect">
+            <a:avLst/>
+          </a:prstGeom>
+          <a:noFill/>
+          <a:extLst>
+            <a:ext uri="{909E8E84-426E-40DD-AFC4-6F175D3DCCD1}">
+              <a14:hiddenFill xmlns:a14="http://schemas.microsoft.com/office/drawing/2010/main">
+                <a:solidFill>
+                  <a:srgbClr val="FFFFFF"/>
+                </a:solidFill>
+              </a14:hiddenFill>
+            </a:ext>
+          </a:extLst>
+        </p:spPr>
+      </p:pic>
     </p:spTree>
     <p:extLst>
       <p:ext uri="{BB962C8B-B14F-4D97-AF65-F5344CB8AC3E}">
-        <p14:creationId xmlns:p14="http://schemas.microsoft.com/office/powerpoint/2010/main" val="1264622238"/>
+        <p14:creationId xmlns:p14="http://schemas.microsoft.com/office/powerpoint/2010/main" val="714418369"/>
       </p:ext>
     </p:extLst>
   </p:cSld>
@@ -6087,7 +6292,7 @@
             <a:spLocks noGrp="1"/>
           </p:cNvSpPr>
           <p:nvPr>
-            <p:ph type="ctrTitle"/>
+            <p:ph type="title"/>
           </p:nvPr>
         </p:nvSpPr>
         <p:spPr/>
@@ -6097,7 +6302,7 @@
           <a:p>
             <a:r>
               <a:rPr lang="es-MX" dirty="0" smtClean="0"/>
-              <a:t>Otros sesgos cognitivos importantes</a:t>
+              <a:t>Heurístico de impacto</a:t>
             </a:r>
             <a:endParaRPr lang="es-MX" dirty="0"/>
           </a:p>
@@ -6105,18 +6310,36 @@
       </p:sp>
       <p:sp>
         <p:nvSpPr>
-          <p:cNvPr id="3" name="Subtítulo 2"/>
-          <p:cNvSpPr>
-            <a:spLocks noGrp="1"/>
-          </p:cNvSpPr>
-          <p:nvPr>
-            <p:ph type="subTitle" idx="1"/>
+          <p:cNvPr id="3" name="Marcador de contenido 2"/>
+          <p:cNvSpPr>
+            <a:spLocks noGrp="1"/>
+          </p:cNvSpPr>
+          <p:nvPr>
+            <p:ph idx="1"/>
           </p:nvPr>
         </p:nvSpPr>
         <p:spPr/>
         <p:txBody>
           <a:bodyPr/>
           <a:lstStyle/>
+          <a:p>
+            <a:r>
+              <a:rPr lang="es-MX" sz="2500" dirty="0" smtClean="0"/>
+              <a:t>Perseguimos metas y evitamos conductas nocivas con base en el impacto que creemos que sus consecuencias tendrán en nuestra vida y nuestras emociones. </a:t>
+            </a:r>
+          </a:p>
+          <a:p>
+            <a:endParaRPr lang="es-MX" sz="2500" dirty="0"/>
+          </a:p>
+          <a:p>
+            <a:r>
+              <a:rPr lang="es-MX" sz="2500" dirty="0" smtClean="0"/>
+              <a:t>Asumimos que las consecuencias positivas serán “muy positivas” y las consecuencias negativas, “muy negativas”.</a:t>
+            </a:r>
+          </a:p>
+          <a:p>
+            <a:endParaRPr lang="es-MX" dirty="0"/>
+          </a:p>
           <a:p>
             <a:endParaRPr lang="es-MX" dirty="0"/>
           </a:p>
@@ -6125,7 +6348,7 @@
     </p:spTree>
     <p:extLst>
       <p:ext uri="{BB962C8B-B14F-4D97-AF65-F5344CB8AC3E}">
-        <p14:creationId xmlns:p14="http://schemas.microsoft.com/office/powerpoint/2010/main" val="3878843423"/>
+        <p14:creationId xmlns:p14="http://schemas.microsoft.com/office/powerpoint/2010/main" val="2706526653"/>
       </p:ext>
     </p:extLst>
   </p:cSld>
@@ -6169,6 +6392,732 @@
             <p:ph type="title"/>
           </p:nvPr>
         </p:nvSpPr>
+        <p:spPr/>
+        <p:txBody>
+          <a:bodyPr/>
+          <a:lstStyle/>
+          <a:p>
+            <a:r>
+              <a:rPr lang="es-MX" dirty="0" smtClean="0"/>
+              <a:t>Sesgo de impacto</a:t>
+            </a:r>
+            <a:endParaRPr lang="es-MX" dirty="0"/>
+          </a:p>
+        </p:txBody>
+      </p:sp>
+      <p:sp>
+        <p:nvSpPr>
+          <p:cNvPr id="3" name="Marcador de contenido 2"/>
+          <p:cNvSpPr>
+            <a:spLocks noGrp="1"/>
+          </p:cNvSpPr>
+          <p:nvPr>
+            <p:ph idx="1"/>
+          </p:nvPr>
+        </p:nvSpPr>
+        <p:spPr/>
+        <p:txBody>
+          <a:bodyPr/>
+          <a:lstStyle/>
+          <a:p>
+            <a:r>
+              <a:rPr lang="es-MX" dirty="0" smtClean="0"/>
+              <a:t>Tendencia a sobreestimar el impacto y duración de nuestra reacción emocional  a eventos futuros</a:t>
+            </a:r>
+          </a:p>
+          <a:p>
+            <a:endParaRPr lang="es-MX" dirty="0"/>
+          </a:p>
+          <a:p>
+            <a:endParaRPr lang="es-MX" dirty="0" smtClean="0"/>
+          </a:p>
+          <a:p>
+            <a:r>
+              <a:rPr lang="es-MX" b="1" dirty="0" smtClean="0"/>
+              <a:t>Ejemplo</a:t>
+            </a:r>
+            <a:r>
+              <a:rPr lang="es-MX" dirty="0" smtClean="0"/>
+              <a:t>: </a:t>
+            </a:r>
+          </a:p>
+          <a:p>
+            <a:pPr lvl="1"/>
+            <a:r>
+              <a:rPr lang="es-MX" dirty="0" smtClean="0"/>
+              <a:t>“Si saco un 10 este parcial seré el más feliz del universo”</a:t>
+            </a:r>
+          </a:p>
+          <a:p>
+            <a:pPr lvl="1"/>
+            <a:r>
+              <a:rPr lang="es-MX" dirty="0" smtClean="0"/>
+              <a:t>“Si bajo de peso me sentiré bien conmigo mismo (a)”</a:t>
+            </a:r>
+          </a:p>
+          <a:p>
+            <a:pPr lvl="1"/>
+            <a:r>
+              <a:rPr lang="es-MX" dirty="0" smtClean="0"/>
+              <a:t>“Sino me quedo en la Universidad que quiero, habré desperdiciado mi vida”</a:t>
+            </a:r>
+          </a:p>
+          <a:p>
+            <a:pPr lvl="1"/>
+            <a:r>
+              <a:rPr lang="es-MX" dirty="0" smtClean="0"/>
+              <a:t>“Si gano la lotería seré la persona más rica y feliz de la Tierra”</a:t>
+            </a:r>
+          </a:p>
+        </p:txBody>
+      </p:sp>
+    </p:spTree>
+    <p:extLst>
+      <p:ext uri="{BB962C8B-B14F-4D97-AF65-F5344CB8AC3E}">
+        <p14:creationId xmlns:p14="http://schemas.microsoft.com/office/powerpoint/2010/main" val="3439209712"/>
+      </p:ext>
+    </p:extLst>
+  </p:cSld>
+  <p:clrMapOvr>
+    <a:masterClrMapping/>
+  </p:clrMapOvr>
+  <p:timing>
+    <p:tnLst>
+      <p:par>
+        <p:cTn id="1" dur="indefinite" restart="never" nodeType="tmRoot"/>
+      </p:par>
+    </p:tnLst>
+  </p:timing>
+</p:sld>
+</file>
+
+<file path=ppt/slides/slide14.xml><?xml version="1.0" encoding="utf-8"?>
+<p:sld xmlns:a="http://schemas.openxmlformats.org/drawingml/2006/main" xmlns:r="http://schemas.openxmlformats.org/officeDocument/2006/relationships" xmlns:p="http://schemas.openxmlformats.org/presentationml/2006/main">
+  <p:cSld>
+    <p:spTree>
+      <p:nvGrpSpPr>
+        <p:cNvPr id="1" name=""/>
+        <p:cNvGrpSpPr/>
+        <p:nvPr/>
+      </p:nvGrpSpPr>
+      <p:grpSpPr>
+        <a:xfrm>
+          <a:off x="0" y="0"/>
+          <a:ext cx="0" cy="0"/>
+          <a:chOff x="0" y="0"/>
+          <a:chExt cx="0" cy="0"/>
+        </a:xfrm>
+      </p:grpSpPr>
+      <p:sp>
+        <p:nvSpPr>
+          <p:cNvPr id="2" name="Título 1"/>
+          <p:cNvSpPr>
+            <a:spLocks noGrp="1"/>
+          </p:cNvSpPr>
+          <p:nvPr>
+            <p:ph type="title"/>
+          </p:nvPr>
+        </p:nvSpPr>
+        <p:spPr/>
+        <p:txBody>
+          <a:bodyPr/>
+          <a:lstStyle/>
+          <a:p>
+            <a:r>
+              <a:rPr lang="es-MX" dirty="0" smtClean="0"/>
+              <a:t>Heurístico de anclaje</a:t>
+            </a:r>
+            <a:endParaRPr lang="es-MX" dirty="0"/>
+          </a:p>
+        </p:txBody>
+      </p:sp>
+      <p:sp>
+        <p:nvSpPr>
+          <p:cNvPr id="3" name="Marcador de contenido 2"/>
+          <p:cNvSpPr>
+            <a:spLocks noGrp="1"/>
+          </p:cNvSpPr>
+          <p:nvPr>
+            <p:ph idx="1"/>
+          </p:nvPr>
+        </p:nvSpPr>
+        <p:spPr/>
+        <p:txBody>
+          <a:bodyPr/>
+          <a:lstStyle/>
+          <a:p>
+            <a:pPr algn="just"/>
+            <a:r>
+              <a:rPr lang="es-MX" dirty="0" smtClean="0"/>
+              <a:t>Al elaborar un juicio de valor sobre un elemento (qué tan grande o pequeño es, o cómo nos sentimos respecto a el), tendemos a utilizar como referencia la información que se nos proporciona de manera inicial.</a:t>
+            </a:r>
+          </a:p>
+          <a:p>
+            <a:pPr algn="just"/>
+            <a:endParaRPr lang="es-MX" dirty="0"/>
+          </a:p>
+          <a:p>
+            <a:pPr algn="just"/>
+            <a:r>
+              <a:rPr lang="es-MX" dirty="0" smtClean="0"/>
+              <a:t>Es decir, tendemos a sobreestimar la importancia que tiene la primer información que nos es entregada.</a:t>
+            </a:r>
+            <a:endParaRPr lang="es-MX" dirty="0"/>
+          </a:p>
+        </p:txBody>
+      </p:sp>
+    </p:spTree>
+    <p:extLst>
+      <p:ext uri="{BB962C8B-B14F-4D97-AF65-F5344CB8AC3E}">
+        <p14:creationId xmlns:p14="http://schemas.microsoft.com/office/powerpoint/2010/main" val="3047581963"/>
+      </p:ext>
+    </p:extLst>
+  </p:cSld>
+  <p:clrMapOvr>
+    <a:masterClrMapping/>
+  </p:clrMapOvr>
+  <p:timing>
+    <p:tnLst>
+      <p:par>
+        <p:cTn id="1" dur="indefinite" restart="never" nodeType="tmRoot"/>
+      </p:par>
+    </p:tnLst>
+  </p:timing>
+</p:sld>
+</file>
+
+<file path=ppt/slides/slide15.xml><?xml version="1.0" encoding="utf-8"?>
+<p:sld xmlns:a="http://schemas.openxmlformats.org/drawingml/2006/main" xmlns:r="http://schemas.openxmlformats.org/officeDocument/2006/relationships" xmlns:p="http://schemas.openxmlformats.org/presentationml/2006/main">
+  <p:cSld>
+    <p:spTree>
+      <p:nvGrpSpPr>
+        <p:cNvPr id="1" name=""/>
+        <p:cNvGrpSpPr/>
+        <p:nvPr/>
+      </p:nvGrpSpPr>
+      <p:grpSpPr>
+        <a:xfrm>
+          <a:off x="0" y="0"/>
+          <a:ext cx="0" cy="0"/>
+          <a:chOff x="0" y="0"/>
+          <a:chExt cx="0" cy="0"/>
+        </a:xfrm>
+      </p:grpSpPr>
+      <p:sp>
+        <p:nvSpPr>
+          <p:cNvPr id="2" name="Título 1"/>
+          <p:cNvSpPr>
+            <a:spLocks noGrp="1"/>
+          </p:cNvSpPr>
+          <p:nvPr>
+            <p:ph type="title"/>
+          </p:nvPr>
+        </p:nvSpPr>
+        <p:spPr/>
+        <p:txBody>
+          <a:bodyPr/>
+          <a:lstStyle/>
+          <a:p>
+            <a:r>
+              <a:rPr lang="es-MX" b="1" dirty="0" smtClean="0"/>
+              <a:t>Heurístico de anclaje</a:t>
+            </a:r>
+            <a:endParaRPr lang="es-MX" b="1" dirty="0"/>
+          </a:p>
+        </p:txBody>
+      </p:sp>
+      <p:sp>
+        <p:nvSpPr>
+          <p:cNvPr id="3" name="Marcador de contenido 2"/>
+          <p:cNvSpPr>
+            <a:spLocks noGrp="1"/>
+          </p:cNvSpPr>
+          <p:nvPr>
+            <p:ph idx="1"/>
+          </p:nvPr>
+        </p:nvSpPr>
+        <p:spPr/>
+        <p:txBody>
+          <a:bodyPr/>
+          <a:lstStyle/>
+          <a:p>
+            <a:pPr algn="just"/>
+            <a:endParaRPr lang="es-MX" dirty="0" smtClean="0"/>
+          </a:p>
+          <a:p>
+            <a:pPr algn="just"/>
+            <a:endParaRPr lang="es-MX" dirty="0"/>
+          </a:p>
+        </p:txBody>
+      </p:sp>
+      <p:sp>
+        <p:nvSpPr>
+          <p:cNvPr id="4" name="Rectángulo 3"/>
+          <p:cNvSpPr/>
+          <p:nvPr/>
+        </p:nvSpPr>
+        <p:spPr>
+          <a:xfrm>
+            <a:off x="677334" y="1862666"/>
+            <a:ext cx="4326466" cy="1706828"/>
+          </a:xfrm>
+          <a:prstGeom prst="rect">
+            <a:avLst/>
+          </a:prstGeom>
+        </p:spPr>
+        <p:style>
+          <a:lnRef idx="1">
+            <a:schemeClr val="accent2"/>
+          </a:lnRef>
+          <a:fillRef idx="2">
+            <a:schemeClr val="accent2"/>
+          </a:fillRef>
+          <a:effectRef idx="1">
+            <a:schemeClr val="accent2"/>
+          </a:effectRef>
+          <a:fontRef idx="minor">
+            <a:schemeClr val="dk1"/>
+          </a:fontRef>
+        </p:style>
+        <p:txBody>
+          <a:bodyPr rtlCol="0" anchor="ctr"/>
+          <a:lstStyle/>
+          <a:p>
+            <a:pPr algn="ctr"/>
+            <a:r>
+              <a:rPr lang="es-MX" dirty="0" smtClean="0"/>
+              <a:t>1.- ¿Qué tan feliz te sientes con tu vida?</a:t>
+            </a:r>
+          </a:p>
+          <a:p>
+            <a:pPr algn="ctr"/>
+            <a:endParaRPr lang="es-MX" dirty="0"/>
+          </a:p>
+          <a:p>
+            <a:pPr algn="ctr"/>
+            <a:r>
+              <a:rPr lang="es-MX" dirty="0" smtClean="0"/>
+              <a:t>2.- ¿Cómo te está yendo en la escuela?</a:t>
+            </a:r>
+            <a:endParaRPr lang="es-MX" dirty="0"/>
+          </a:p>
+        </p:txBody>
+      </p:sp>
+      <p:sp>
+        <p:nvSpPr>
+          <p:cNvPr id="5" name="Rectángulo 4"/>
+          <p:cNvSpPr/>
+          <p:nvPr/>
+        </p:nvSpPr>
+        <p:spPr>
+          <a:xfrm>
+            <a:off x="5960534" y="4004733"/>
+            <a:ext cx="4326466" cy="1693334"/>
+          </a:xfrm>
+          <a:prstGeom prst="rect">
+            <a:avLst/>
+          </a:prstGeom>
+        </p:spPr>
+        <p:style>
+          <a:lnRef idx="1">
+            <a:schemeClr val="accent3"/>
+          </a:lnRef>
+          <a:fillRef idx="2">
+            <a:schemeClr val="accent3"/>
+          </a:fillRef>
+          <a:effectRef idx="1">
+            <a:schemeClr val="accent3"/>
+          </a:effectRef>
+          <a:fontRef idx="minor">
+            <a:schemeClr val="dk1"/>
+          </a:fontRef>
+        </p:style>
+        <p:txBody>
+          <a:bodyPr rtlCol="0" anchor="ctr"/>
+          <a:lstStyle/>
+          <a:p>
+            <a:pPr algn="ctr"/>
+            <a:r>
+              <a:rPr lang="es-MX" dirty="0"/>
+              <a:t>1.- </a:t>
+            </a:r>
+            <a:r>
+              <a:rPr lang="es-MX" dirty="0" smtClean="0"/>
+              <a:t>¿</a:t>
+            </a:r>
+            <a:r>
+              <a:rPr lang="es-MX" dirty="0"/>
+              <a:t>Cómo te está yendo en la escuela</a:t>
+            </a:r>
+            <a:r>
+              <a:rPr lang="es-MX" dirty="0" smtClean="0"/>
+              <a:t>?</a:t>
+            </a:r>
+          </a:p>
+          <a:p>
+            <a:pPr algn="ctr"/>
+            <a:endParaRPr lang="es-MX" dirty="0"/>
+          </a:p>
+          <a:p>
+            <a:pPr algn="ctr"/>
+            <a:r>
+              <a:rPr lang="es-MX" dirty="0" smtClean="0"/>
+              <a:t>2.- ¿Qué </a:t>
+            </a:r>
+            <a:r>
+              <a:rPr lang="es-MX" dirty="0"/>
+              <a:t>tan feliz te sientes con tu vida</a:t>
+            </a:r>
+            <a:r>
+              <a:rPr lang="es-MX" dirty="0" smtClean="0"/>
+              <a:t>?</a:t>
+            </a:r>
+            <a:endParaRPr lang="es-MX" dirty="0"/>
+          </a:p>
+        </p:txBody>
+      </p:sp>
+    </p:spTree>
+    <p:extLst>
+      <p:ext uri="{BB962C8B-B14F-4D97-AF65-F5344CB8AC3E}">
+        <p14:creationId xmlns:p14="http://schemas.microsoft.com/office/powerpoint/2010/main" val="2658841248"/>
+      </p:ext>
+    </p:extLst>
+  </p:cSld>
+  <p:clrMapOvr>
+    <a:masterClrMapping/>
+  </p:clrMapOvr>
+  <p:timing>
+    <p:tnLst>
+      <p:par>
+        <p:cTn id="1" dur="indefinite" restart="never" nodeType="tmRoot"/>
+      </p:par>
+    </p:tnLst>
+  </p:timing>
+</p:sld>
+</file>
+
+<file path=ppt/slides/slide16.xml><?xml version="1.0" encoding="utf-8"?>
+<p:sld xmlns:a="http://schemas.openxmlformats.org/drawingml/2006/main" xmlns:r="http://schemas.openxmlformats.org/officeDocument/2006/relationships" xmlns:p="http://schemas.openxmlformats.org/presentationml/2006/main">
+  <p:cSld>
+    <p:spTree>
+      <p:nvGrpSpPr>
+        <p:cNvPr id="1" name=""/>
+        <p:cNvGrpSpPr/>
+        <p:nvPr/>
+      </p:nvGrpSpPr>
+      <p:grpSpPr>
+        <a:xfrm>
+          <a:off x="0" y="0"/>
+          <a:ext cx="0" cy="0"/>
+          <a:chOff x="0" y="0"/>
+          <a:chExt cx="0" cy="0"/>
+        </a:xfrm>
+      </p:grpSpPr>
+      <p:sp>
+        <p:nvSpPr>
+          <p:cNvPr id="2" name="Título 1"/>
+          <p:cNvSpPr>
+            <a:spLocks noGrp="1"/>
+          </p:cNvSpPr>
+          <p:nvPr>
+            <p:ph type="title"/>
+          </p:nvPr>
+        </p:nvSpPr>
+        <p:spPr/>
+        <p:txBody>
+          <a:bodyPr/>
+          <a:lstStyle/>
+          <a:p>
+            <a:r>
+              <a:rPr lang="es-MX" b="1" dirty="0" smtClean="0"/>
+              <a:t>Sesgo </a:t>
+            </a:r>
+            <a:r>
+              <a:rPr lang="es-MX" dirty="0" smtClean="0"/>
+              <a:t>de </a:t>
+            </a:r>
+            <a:r>
+              <a:rPr lang="es-MX" dirty="0" smtClean="0"/>
+              <a:t>anclaje</a:t>
+            </a:r>
+            <a:endParaRPr lang="es-MX" dirty="0"/>
+          </a:p>
+        </p:txBody>
+      </p:sp>
+      <p:sp>
+        <p:nvSpPr>
+          <p:cNvPr id="3" name="Marcador de contenido 2"/>
+          <p:cNvSpPr>
+            <a:spLocks noGrp="1"/>
+          </p:cNvSpPr>
+          <p:nvPr>
+            <p:ph idx="1"/>
+          </p:nvPr>
+        </p:nvSpPr>
+        <p:spPr/>
+        <p:txBody>
+          <a:bodyPr/>
+          <a:lstStyle/>
+          <a:p>
+            <a:r>
+              <a:rPr lang="es-MX" dirty="0" smtClean="0"/>
+              <a:t>En ocasiones, los “valores” que nos encontramos en el mundo son aleatorios y el hecho de que un primer valor sea demasiado pequeño o grande, no quiere decir que se trate de la norma.  </a:t>
+            </a:r>
+          </a:p>
+          <a:p>
+            <a:endParaRPr lang="es-MX" dirty="0"/>
+          </a:p>
+          <a:p>
+            <a:r>
+              <a:rPr lang="es-MX" dirty="0" smtClean="0"/>
+              <a:t>Peor aún, ¡la gente todo el tiempo se está aprovechando de este sesgo!</a:t>
+            </a:r>
+          </a:p>
+          <a:p>
+            <a:endParaRPr lang="es-MX" dirty="0"/>
+          </a:p>
+        </p:txBody>
+      </p:sp>
+    </p:spTree>
+    <p:extLst>
+      <p:ext uri="{BB962C8B-B14F-4D97-AF65-F5344CB8AC3E}">
+        <p14:creationId xmlns:p14="http://schemas.microsoft.com/office/powerpoint/2010/main" val="3745674611"/>
+      </p:ext>
+    </p:extLst>
+  </p:cSld>
+  <p:clrMapOvr>
+    <a:masterClrMapping/>
+  </p:clrMapOvr>
+  <p:timing>
+    <p:tnLst>
+      <p:par>
+        <p:cTn id="1" dur="indefinite" restart="never" nodeType="tmRoot"/>
+      </p:par>
+    </p:tnLst>
+  </p:timing>
+</p:sld>
+</file>
+
+<file path=ppt/slides/slide17.xml><?xml version="1.0" encoding="utf-8"?>
+<p:sld xmlns:a="http://schemas.openxmlformats.org/drawingml/2006/main" xmlns:r="http://schemas.openxmlformats.org/officeDocument/2006/relationships" xmlns:p="http://schemas.openxmlformats.org/presentationml/2006/main">
+  <p:cSld>
+    <p:spTree>
+      <p:nvGrpSpPr>
+        <p:cNvPr id="1" name=""/>
+        <p:cNvGrpSpPr/>
+        <p:nvPr/>
+      </p:nvGrpSpPr>
+      <p:grpSpPr>
+        <a:xfrm>
+          <a:off x="0" y="0"/>
+          <a:ext cx="0" cy="0"/>
+          <a:chOff x="0" y="0"/>
+          <a:chExt cx="0" cy="0"/>
+        </a:xfrm>
+      </p:grpSpPr>
+      <p:sp>
+        <p:nvSpPr>
+          <p:cNvPr id="2" name="Título 1"/>
+          <p:cNvSpPr>
+            <a:spLocks noGrp="1"/>
+          </p:cNvSpPr>
+          <p:nvPr>
+            <p:ph type="title"/>
+          </p:nvPr>
+        </p:nvSpPr>
+        <p:spPr/>
+        <p:txBody>
+          <a:bodyPr/>
+          <a:lstStyle/>
+          <a:p>
+            <a:r>
+              <a:rPr lang="es-MX" b="1" dirty="0" smtClean="0"/>
+              <a:t>Sesgo </a:t>
+            </a:r>
+            <a:r>
+              <a:rPr lang="es-MX" dirty="0" smtClean="0"/>
+              <a:t>de </a:t>
+            </a:r>
+            <a:r>
+              <a:rPr lang="es-MX" dirty="0" smtClean="0"/>
+              <a:t>anclaje</a:t>
+            </a:r>
+            <a:endParaRPr lang="es-MX" dirty="0"/>
+          </a:p>
+        </p:txBody>
+      </p:sp>
+      <p:sp>
+        <p:nvSpPr>
+          <p:cNvPr id="3" name="Marcador de contenido 2"/>
+          <p:cNvSpPr>
+            <a:spLocks noGrp="1"/>
+          </p:cNvSpPr>
+          <p:nvPr>
+            <p:ph idx="1"/>
+          </p:nvPr>
+        </p:nvSpPr>
+        <p:spPr/>
+        <p:txBody>
+          <a:bodyPr/>
+          <a:lstStyle/>
+          <a:p>
+            <a:endParaRPr lang="es-MX" dirty="0" smtClean="0"/>
+          </a:p>
+          <a:p>
+            <a:endParaRPr lang="es-MX" dirty="0"/>
+          </a:p>
+        </p:txBody>
+      </p:sp>
+      <p:pic>
+        <p:nvPicPr>
+          <p:cNvPr id="5" name="Imagen 4"/>
+          <p:cNvPicPr>
+            <a:picLocks noChangeAspect="1"/>
+          </p:cNvPicPr>
+          <p:nvPr/>
+        </p:nvPicPr>
+        <p:blipFill>
+          <a:blip r:embed="rId2"/>
+          <a:stretch>
+            <a:fillRect/>
+          </a:stretch>
+        </p:blipFill>
+        <p:spPr>
+          <a:xfrm>
+            <a:off x="2581275" y="1802871"/>
+            <a:ext cx="6267450" cy="3743325"/>
+          </a:xfrm>
+          <a:prstGeom prst="rect">
+            <a:avLst/>
+          </a:prstGeom>
+        </p:spPr>
+      </p:pic>
+    </p:spTree>
+    <p:extLst>
+      <p:ext uri="{BB962C8B-B14F-4D97-AF65-F5344CB8AC3E}">
+        <p14:creationId xmlns:p14="http://schemas.microsoft.com/office/powerpoint/2010/main" val="2281094738"/>
+      </p:ext>
+    </p:extLst>
+  </p:cSld>
+  <p:clrMapOvr>
+    <a:masterClrMapping/>
+  </p:clrMapOvr>
+  <p:timing>
+    <p:tnLst>
+      <p:par>
+        <p:cTn id="1" dur="indefinite" restart="never" nodeType="tmRoot"/>
+      </p:par>
+    </p:tnLst>
+  </p:timing>
+</p:sld>
+</file>
+
+<file path=ppt/slides/slide18.xml><?xml version="1.0" encoding="utf-8"?>
+<p:sld xmlns:a="http://schemas.openxmlformats.org/drawingml/2006/main" xmlns:r="http://schemas.openxmlformats.org/officeDocument/2006/relationships" xmlns:p="http://schemas.openxmlformats.org/presentationml/2006/main">
+  <p:cSld>
+    <p:spTree>
+      <p:nvGrpSpPr>
+        <p:cNvPr id="1" name=""/>
+        <p:cNvGrpSpPr/>
+        <p:nvPr/>
+      </p:nvGrpSpPr>
+      <p:grpSpPr>
+        <a:xfrm>
+          <a:off x="0" y="0"/>
+          <a:ext cx="0" cy="0"/>
+          <a:chOff x="0" y="0"/>
+          <a:chExt cx="0" cy="0"/>
+        </a:xfrm>
+      </p:grpSpPr>
+      <p:sp>
+        <p:nvSpPr>
+          <p:cNvPr id="2" name="Título 1"/>
+          <p:cNvSpPr>
+            <a:spLocks noGrp="1"/>
+          </p:cNvSpPr>
+          <p:nvPr>
+            <p:ph type="ctrTitle"/>
+          </p:nvPr>
+        </p:nvSpPr>
+        <p:spPr/>
+        <p:txBody>
+          <a:bodyPr/>
+          <a:lstStyle/>
+          <a:p>
+            <a:r>
+              <a:rPr lang="es-MX" dirty="0" smtClean="0"/>
+              <a:t>Otros sesgos cognitivos importantes</a:t>
+            </a:r>
+            <a:endParaRPr lang="es-MX" dirty="0"/>
+          </a:p>
+        </p:txBody>
+      </p:sp>
+      <p:sp>
+        <p:nvSpPr>
+          <p:cNvPr id="3" name="Subtítulo 2"/>
+          <p:cNvSpPr>
+            <a:spLocks noGrp="1"/>
+          </p:cNvSpPr>
+          <p:nvPr>
+            <p:ph type="subTitle" idx="1"/>
+          </p:nvPr>
+        </p:nvSpPr>
+        <p:spPr/>
+        <p:txBody>
+          <a:bodyPr/>
+          <a:lstStyle/>
+          <a:p>
+            <a:endParaRPr lang="es-MX" dirty="0"/>
+          </a:p>
+        </p:txBody>
+      </p:sp>
+    </p:spTree>
+    <p:extLst>
+      <p:ext uri="{BB962C8B-B14F-4D97-AF65-F5344CB8AC3E}">
+        <p14:creationId xmlns:p14="http://schemas.microsoft.com/office/powerpoint/2010/main" val="3878843423"/>
+      </p:ext>
+    </p:extLst>
+  </p:cSld>
+  <p:clrMapOvr>
+    <a:masterClrMapping/>
+  </p:clrMapOvr>
+  <p:timing>
+    <p:tnLst>
+      <p:par>
+        <p:cTn id="1" dur="indefinite" restart="never" nodeType="tmRoot"/>
+      </p:par>
+    </p:tnLst>
+  </p:timing>
+</p:sld>
+</file>
+
+<file path=ppt/slides/slide19.xml><?xml version="1.0" encoding="utf-8"?>
+<p:sld xmlns:a="http://schemas.openxmlformats.org/drawingml/2006/main" xmlns:r="http://schemas.openxmlformats.org/officeDocument/2006/relationships" xmlns:p="http://schemas.openxmlformats.org/presentationml/2006/main">
+  <p:cSld>
+    <p:spTree>
+      <p:nvGrpSpPr>
+        <p:cNvPr id="1" name=""/>
+        <p:cNvGrpSpPr/>
+        <p:nvPr/>
+      </p:nvGrpSpPr>
+      <p:grpSpPr>
+        <a:xfrm>
+          <a:off x="0" y="0"/>
+          <a:ext cx="0" cy="0"/>
+          <a:chOff x="0" y="0"/>
+          <a:chExt cx="0" cy="0"/>
+        </a:xfrm>
+      </p:grpSpPr>
+      <p:sp>
+        <p:nvSpPr>
+          <p:cNvPr id="2" name="Título 1"/>
+          <p:cNvSpPr>
+            <a:spLocks noGrp="1"/>
+          </p:cNvSpPr>
+          <p:nvPr>
+            <p:ph type="title"/>
+          </p:nvPr>
+        </p:nvSpPr>
         <p:spPr>
           <a:xfrm>
             <a:off x="677334" y="609600"/>
@@ -6202,10 +7151,50 @@
           <a:bodyPr/>
           <a:lstStyle/>
           <a:p>
+            <a:r>
+              <a:rPr lang="es-MX" dirty="0" smtClean="0"/>
+              <a:t>Implica que cuando queremos validar o poner a prueba una idea o hipótesis, tendemos a buscar evidencia que </a:t>
+            </a:r>
+            <a:r>
+              <a:rPr lang="es-MX" b="1" dirty="0" smtClean="0"/>
+              <a:t>confirme</a:t>
+            </a:r>
+            <a:r>
+              <a:rPr lang="es-MX" dirty="0"/>
+              <a:t> </a:t>
+            </a:r>
+            <a:r>
+              <a:rPr lang="es-MX" dirty="0" smtClean="0"/>
+              <a:t>nuestra creencia, en lugar de buscar evidencia que la refute.</a:t>
+            </a:r>
             <a:endParaRPr lang="es-MX" dirty="0"/>
           </a:p>
         </p:txBody>
       </p:sp>
+      <p:pic>
+        <p:nvPicPr>
+          <p:cNvPr id="4" name="Imagen 3"/>
+          <p:cNvPicPr>
+            <a:picLocks noChangeAspect="1"/>
+          </p:cNvPicPr>
+          <p:nvPr/>
+        </p:nvPicPr>
+        <p:blipFill>
+          <a:blip r:embed="rId2"/>
+          <a:stretch>
+            <a:fillRect/>
+          </a:stretch>
+        </p:blipFill>
+        <p:spPr>
+          <a:xfrm>
+            <a:off x="6094412" y="3282899"/>
+            <a:ext cx="5318655" cy="3339621"/>
+          </a:xfrm>
+          <a:prstGeom prst="rect">
+            <a:avLst/>
+          </a:prstGeom>
+        </p:spPr>
+      </p:pic>
     </p:spTree>
     <p:extLst>
       <p:ext uri="{BB962C8B-B14F-4D97-AF65-F5344CB8AC3E}">
@@ -6226,7 +7215,177 @@
 </p:sld>
 </file>
 
-<file path=ppt/slides/slide14.xml><?xml version="1.0" encoding="utf-8"?>
+<file path=ppt/slides/slide2.xml><?xml version="1.0" encoding="utf-8"?>
+<p:sld xmlns:a="http://schemas.openxmlformats.org/drawingml/2006/main" xmlns:r="http://schemas.openxmlformats.org/officeDocument/2006/relationships" xmlns:p="http://schemas.openxmlformats.org/presentationml/2006/main">
+  <p:cSld>
+    <p:spTree>
+      <p:nvGrpSpPr>
+        <p:cNvPr id="1" name=""/>
+        <p:cNvGrpSpPr/>
+        <p:nvPr/>
+      </p:nvGrpSpPr>
+      <p:grpSpPr>
+        <a:xfrm>
+          <a:off x="0" y="0"/>
+          <a:ext cx="0" cy="0"/>
+          <a:chOff x="0" y="0"/>
+          <a:chExt cx="0" cy="0"/>
+        </a:xfrm>
+      </p:grpSpPr>
+      <p:sp>
+        <p:nvSpPr>
+          <p:cNvPr id="2" name="Título 1"/>
+          <p:cNvSpPr>
+            <a:spLocks noGrp="1"/>
+          </p:cNvSpPr>
+          <p:nvPr>
+            <p:ph type="title"/>
+          </p:nvPr>
+        </p:nvSpPr>
+        <p:spPr/>
+        <p:txBody>
+          <a:bodyPr/>
+          <a:lstStyle/>
+          <a:p>
+            <a:r>
+              <a:rPr lang="es-MX" dirty="0" smtClean="0"/>
+              <a:t>Definiciones</a:t>
+            </a:r>
+            <a:endParaRPr lang="es-MX" dirty="0"/>
+          </a:p>
+        </p:txBody>
+      </p:sp>
+      <p:sp>
+        <p:nvSpPr>
+          <p:cNvPr id="3" name="Marcador de contenido 2"/>
+          <p:cNvSpPr>
+            <a:spLocks noGrp="1"/>
+          </p:cNvSpPr>
+          <p:nvPr>
+            <p:ph idx="1"/>
+          </p:nvPr>
+        </p:nvSpPr>
+        <p:spPr>
+          <a:xfrm>
+            <a:off x="677334" y="1313645"/>
+            <a:ext cx="8596668" cy="4727717"/>
+          </a:xfrm>
+        </p:spPr>
+        <p:txBody>
+          <a:bodyPr/>
+          <a:lstStyle/>
+          <a:p>
+            <a:r>
+              <a:rPr lang="es-MX" b="1" dirty="0" smtClean="0">
+                <a:solidFill>
+                  <a:schemeClr val="accent2">
+                    <a:lumMod val="50000"/>
+                  </a:schemeClr>
+                </a:solidFill>
+              </a:rPr>
+              <a:t>Un </a:t>
+            </a:r>
+            <a:r>
+              <a:rPr lang="es-MX" sz="2200" b="1" dirty="0" smtClean="0">
+                <a:solidFill>
+                  <a:schemeClr val="accent2">
+                    <a:lumMod val="50000"/>
+                  </a:schemeClr>
+                </a:solidFill>
+              </a:rPr>
+              <a:t>heurístico</a:t>
+            </a:r>
+            <a:r>
+              <a:rPr lang="es-MX" b="1" dirty="0">
+                <a:solidFill>
+                  <a:schemeClr val="accent2">
+                    <a:lumMod val="50000"/>
+                  </a:schemeClr>
+                </a:solidFill>
+              </a:rPr>
+              <a:t> </a:t>
+            </a:r>
+            <a:r>
+              <a:rPr lang="es-MX" b="1" dirty="0" smtClean="0">
+                <a:solidFill>
+                  <a:schemeClr val="accent2">
+                    <a:lumMod val="50000"/>
+                  </a:schemeClr>
+                </a:solidFill>
+              </a:rPr>
+              <a:t>es una “herramienta mental” que nuestro cerebro aplica de manera automática e inconsciente, a cierto tipo de situaciones para formar un juicio o tomar una decisión de manera rápida.</a:t>
+            </a:r>
+          </a:p>
+          <a:p>
+            <a:endParaRPr lang="es-MX" b="1" dirty="0">
+              <a:solidFill>
+                <a:schemeClr val="accent2">
+                  <a:lumMod val="50000"/>
+                </a:schemeClr>
+              </a:solidFill>
+            </a:endParaRPr>
+          </a:p>
+          <a:p>
+            <a:r>
+              <a:rPr lang="es-MX" b="1" dirty="0" smtClean="0">
+                <a:solidFill>
+                  <a:schemeClr val="accent2">
+                    <a:lumMod val="50000"/>
+                  </a:schemeClr>
+                </a:solidFill>
+              </a:rPr>
+              <a:t>Un </a:t>
+            </a:r>
+            <a:r>
+              <a:rPr lang="es-MX" sz="2200" b="1" dirty="0" smtClean="0">
+                <a:solidFill>
+                  <a:schemeClr val="accent2">
+                    <a:lumMod val="50000"/>
+                  </a:schemeClr>
+                </a:solidFill>
+              </a:rPr>
+              <a:t>sesgo </a:t>
+            </a:r>
+            <a:r>
+              <a:rPr lang="es-MX" dirty="0" smtClean="0"/>
+              <a:t>implica un error </a:t>
+            </a:r>
+            <a:r>
+              <a:rPr lang="es-MX" dirty="0"/>
+              <a:t>sistemático de </a:t>
+            </a:r>
+            <a:r>
+              <a:rPr lang="es-MX" dirty="0" smtClean="0"/>
+              <a:t>razonamiento, derivado del uso de estos heurísticos.</a:t>
+            </a:r>
+            <a:endParaRPr lang="es-MX" b="1" dirty="0"/>
+          </a:p>
+          <a:p>
+            <a:endParaRPr lang="es-MX" b="1" dirty="0"/>
+          </a:p>
+        </p:txBody>
+      </p:sp>
+    </p:spTree>
+    <p:extLst>
+      <p:ext uri="{BB962C8B-B14F-4D97-AF65-F5344CB8AC3E}">
+        <p14:creationId xmlns:p14="http://schemas.microsoft.com/office/powerpoint/2010/main" val="1003217412"/>
+      </p:ext>
+    </p:extLst>
+  </p:cSld>
+  <p:clrMapOvr>
+    <a:masterClrMapping/>
+  </p:clrMapOvr>
+  <p:timing>
+    <p:tnLst>
+      <p:par>
+        <p:cTn id="1" dur="indefinite" restart="never" nodeType="tmRoot"/>
+      </p:par>
+    </p:tnLst>
+  </p:timing>
+</p:sld>
+</file>
+
+<file path=ppt/slides/slide20.xml><?xml version="1.0" encoding="utf-8"?>
 <p:sld xmlns:a="http://schemas.openxmlformats.org/drawingml/2006/main" xmlns:r="http://schemas.openxmlformats.org/officeDocument/2006/relationships" xmlns:p="http://schemas.openxmlformats.org/presentationml/2006/main">
   <p:cSld>
     <p:spTree>
@@ -6502,7 +7661,7 @@
 </p:sld>
 </file>
 
-<file path=ppt/slides/slide15.xml><?xml version="1.0" encoding="utf-8"?>
+<file path=ppt/slides/slide21.xml><?xml version="1.0" encoding="utf-8"?>
 <p:sld xmlns:a="http://schemas.openxmlformats.org/drawingml/2006/main" xmlns:r="http://schemas.openxmlformats.org/officeDocument/2006/relationships" xmlns:p="http://schemas.openxmlformats.org/presentationml/2006/main">
   <p:cSld>
     <p:spTree>
@@ -6573,6 +7732,50 @@
           <a:bodyPr/>
           <a:lstStyle/>
           <a:p>
+            <a:pPr algn="just"/>
+            <a:r>
+              <a:rPr lang="es-MX" dirty="0" smtClean="0"/>
+              <a:t>Consiste en </a:t>
+            </a:r>
+            <a:r>
+              <a:rPr lang="es-MX" b="1" u="sng" dirty="0" smtClean="0"/>
+              <a:t>tomar un rasgo sobresaliente</a:t>
+            </a:r>
+            <a:r>
+              <a:rPr lang="es-MX" b="1" dirty="0" smtClean="0"/>
+              <a:t> </a:t>
+            </a:r>
+            <a:r>
+              <a:rPr lang="es-MX" dirty="0" smtClean="0"/>
+              <a:t>(generalmente </a:t>
+            </a:r>
+            <a:r>
+              <a:rPr lang="es-MX" b="1" dirty="0" smtClean="0"/>
+              <a:t>positivo</a:t>
+            </a:r>
+            <a:r>
+              <a:rPr lang="es-MX" dirty="0" smtClean="0"/>
+              <a:t>) </a:t>
+            </a:r>
+            <a:r>
+              <a:rPr lang="es-MX" b="1" u="sng" dirty="0" smtClean="0"/>
+              <a:t>y extrapolarlo</a:t>
+            </a:r>
+            <a:r>
+              <a:rPr lang="es-MX" dirty="0" smtClean="0"/>
+              <a:t> para juzgar la totalidad de un elemento.</a:t>
+            </a:r>
+          </a:p>
+          <a:p>
+            <a:pPr algn="just"/>
+            <a:endParaRPr lang="es-MX" dirty="0"/>
+          </a:p>
+          <a:p>
+            <a:pPr algn="just"/>
+            <a:r>
+              <a:rPr lang="es-MX" dirty="0" smtClean="0"/>
+              <a:t>Más exactamente, implica que ante la falta de información sobre un rasgo particular en una persona u objeto, utilizamos como referencia información sobresaliente sobre otros aspectos de su apariencia.</a:t>
+            </a:r>
             <a:endParaRPr lang="es-MX" dirty="0"/>
           </a:p>
         </p:txBody>
@@ -6597,7 +7800,7 @@
 </p:sld>
 </file>
 
-<file path=ppt/slides/slide16.xml><?xml version="1.0" encoding="utf-8"?>
+<file path=ppt/slides/slide22.xml><?xml version="1.0" encoding="utf-8"?>
 <p:sld xmlns:a="http://schemas.openxmlformats.org/drawingml/2006/main" xmlns:r="http://schemas.openxmlformats.org/officeDocument/2006/relationships" xmlns:p="http://schemas.openxmlformats.org/presentationml/2006/main">
   <p:cSld>
     <p:spTree>
@@ -6629,7 +7832,14 @@
           <a:bodyPr/>
           <a:lstStyle/>
           <a:p>
-            <a:endParaRPr lang="es-MX"/>
+            <a:r>
+              <a:rPr lang="es-MX" dirty="0" smtClean="0"/>
+              <a:t/>
+            </a:r>
+            <a:br>
+              <a:rPr lang="es-MX" dirty="0" smtClean="0"/>
+            </a:br>
+            <a:endParaRPr lang="es-MX" dirty="0"/>
           </a:p>
         </p:txBody>
       </p:sp>
@@ -6648,46 +7858,309 @@
           <a:bodyPr/>
           <a:lstStyle/>
           <a:p>
-            <a:r>
-              <a:rPr lang="es-MX" dirty="0">
-                <a:hlinkClick r:id="rId2"/>
+            <a:endParaRPr lang="es-MX" dirty="0" smtClean="0"/>
+          </a:p>
+          <a:p>
+            <a:endParaRPr lang="es-MX" dirty="0"/>
+          </a:p>
+        </p:txBody>
+      </p:sp>
+      <p:pic>
+        <p:nvPicPr>
+          <p:cNvPr id="1026" name="Picture 2" descr="Resultado de imagen para justin bieber"/>
+          <p:cNvPicPr>
+            <a:picLocks noChangeAspect="1" noChangeArrowheads="1"/>
+          </p:cNvPicPr>
+          <p:nvPr/>
+        </p:nvPicPr>
+        <p:blipFill>
+          <a:blip r:embed="rId2" cstate="print">
+            <a:extLst>
+              <a:ext uri="{28A0092B-C50C-407E-A947-70E740481C1C}">
+                <a14:useLocalDpi xmlns:a14="http://schemas.microsoft.com/office/drawing/2010/main" val="0"/>
+              </a:ext>
+            </a:extLst>
+          </a:blip>
+          <a:srcRect/>
+          <a:stretch>
+            <a:fillRect/>
+          </a:stretch>
+        </p:blipFill>
+        <p:spPr bwMode="auto">
+          <a:xfrm>
+            <a:off x="8539176" y="382038"/>
+            <a:ext cx="2521249" cy="3096723"/>
+          </a:xfrm>
+          <a:prstGeom prst="rect">
+            <a:avLst/>
+          </a:prstGeom>
+          <a:noFill/>
+          <a:extLst>
+            <a:ext uri="{909E8E84-426E-40DD-AFC4-6F175D3DCCD1}">
+              <a14:hiddenFill xmlns:a14="http://schemas.microsoft.com/office/drawing/2010/main">
+                <a:solidFill>
+                  <a:srgbClr val="FFFFFF"/>
+                </a:solidFill>
+              </a14:hiddenFill>
+            </a:ext>
+          </a:extLst>
+        </p:spPr>
+      </p:pic>
+      <p:pic>
+        <p:nvPicPr>
+          <p:cNvPr id="1028" name="Picture 4" descr="Resultado de imagen para iphone"/>
+          <p:cNvPicPr>
+            <a:picLocks noChangeAspect="1" noChangeArrowheads="1"/>
+          </p:cNvPicPr>
+          <p:nvPr/>
+        </p:nvPicPr>
+        <p:blipFill>
+          <a:blip r:embed="rId3" cstate="print">
+            <a:extLst>
+              <a:ext uri="{28A0092B-C50C-407E-A947-70E740481C1C}">
+                <a14:useLocalDpi xmlns:a14="http://schemas.microsoft.com/office/drawing/2010/main" val="0"/>
+              </a:ext>
+            </a:extLst>
+          </a:blip>
+          <a:srcRect/>
+          <a:stretch>
+            <a:fillRect/>
+          </a:stretch>
+        </p:blipFill>
+        <p:spPr bwMode="auto">
+          <a:xfrm>
+            <a:off x="192916" y="2641599"/>
+            <a:ext cx="4065418" cy="4065418"/>
+          </a:xfrm>
+          <a:prstGeom prst="rect">
+            <a:avLst/>
+          </a:prstGeom>
+          <a:noFill/>
+          <a:extLst>
+            <a:ext uri="{909E8E84-426E-40DD-AFC4-6F175D3DCCD1}">
+              <a14:hiddenFill xmlns:a14="http://schemas.microsoft.com/office/drawing/2010/main">
+                <a:solidFill>
+                  <a:srgbClr val="FFFFFF"/>
+                </a:solidFill>
+              </a14:hiddenFill>
+            </a:ext>
+          </a:extLst>
+        </p:spPr>
+      </p:pic>
+      <p:sp>
+        <p:nvSpPr>
+          <p:cNvPr id="6" name="Título 1"/>
+          <p:cNvSpPr txBox="1">
+            <a:spLocks/>
+          </p:cNvSpPr>
+          <p:nvPr/>
+        </p:nvSpPr>
+        <p:spPr>
+          <a:xfrm>
+            <a:off x="309921" y="379411"/>
+            <a:ext cx="8596668" cy="1320800"/>
+          </a:xfrm>
+          <a:prstGeom prst="rect">
+            <a:avLst/>
+          </a:prstGeom>
+        </p:spPr>
+        <p:txBody>
+          <a:bodyPr vert="horz" lIns="91440" tIns="45720" rIns="91440" bIns="45720" rtlCol="0" anchor="t">
+            <a:normAutofit/>
+          </a:bodyPr>
+          <a:lstStyle>
+            <a:lvl1pPr algn="l" defTabSz="457200" rtl="0" eaLnBrk="1" latinLnBrk="0" hangingPunct="1">
+              <a:spcBef>
+                <a:spcPct val="0"/>
+              </a:spcBef>
+              <a:buNone/>
+              <a:defRPr sz="3600" kern="1200">
+                <a:solidFill>
+                  <a:schemeClr val="accent1"/>
+                </a:solidFill>
+                <a:latin typeface="+mj-lt"/>
+                <a:ea typeface="+mj-ea"/>
+                <a:cs typeface="+mj-cs"/>
+              </a:defRPr>
+            </a:lvl1pPr>
+            <a:lvl2pPr eaLnBrk="1" hangingPunct="1">
+              <a:defRPr>
+                <a:solidFill>
+                  <a:schemeClr val="tx2"/>
+                </a:solidFill>
+              </a:defRPr>
+            </a:lvl2pPr>
+            <a:lvl3pPr eaLnBrk="1" hangingPunct="1">
+              <a:defRPr>
+                <a:solidFill>
+                  <a:schemeClr val="tx2"/>
+                </a:solidFill>
+              </a:defRPr>
+            </a:lvl3pPr>
+            <a:lvl4pPr eaLnBrk="1" hangingPunct="1">
+              <a:defRPr>
+                <a:solidFill>
+                  <a:schemeClr val="tx2"/>
+                </a:solidFill>
+              </a:defRPr>
+            </a:lvl4pPr>
+            <a:lvl5pPr eaLnBrk="1" hangingPunct="1">
+              <a:defRPr>
+                <a:solidFill>
+                  <a:schemeClr val="tx2"/>
+                </a:solidFill>
+              </a:defRPr>
+            </a:lvl5pPr>
+            <a:lvl6pPr eaLnBrk="1" hangingPunct="1">
+              <a:defRPr>
+                <a:solidFill>
+                  <a:schemeClr val="tx2"/>
+                </a:solidFill>
+              </a:defRPr>
+            </a:lvl6pPr>
+            <a:lvl7pPr eaLnBrk="1" hangingPunct="1">
+              <a:defRPr>
+                <a:solidFill>
+                  <a:schemeClr val="tx2"/>
+                </a:solidFill>
+              </a:defRPr>
+            </a:lvl7pPr>
+            <a:lvl8pPr eaLnBrk="1" hangingPunct="1">
+              <a:defRPr>
+                <a:solidFill>
+                  <a:schemeClr val="tx2"/>
+                </a:solidFill>
+              </a:defRPr>
+            </a:lvl8pPr>
+            <a:lvl9pPr eaLnBrk="1" hangingPunct="1">
+              <a:defRPr>
+                <a:solidFill>
+                  <a:schemeClr val="tx2"/>
+                </a:solidFill>
+              </a:defRPr>
+            </a:lvl9pPr>
+          </a:lstStyle>
+          <a:p>
+            <a:r>
+              <a:rPr lang="es-MX" b="1" dirty="0" smtClean="0">
+                <a:effectLst>
+                  <a:outerShdw blurRad="38100" dist="38100" dir="2700000" algn="tl">
+                    <a:srgbClr val="000000">
+                      <a:alpha val="43137"/>
+                    </a:srgbClr>
+                  </a:outerShdw>
+                </a:effectLst>
               </a:rPr>
-              <a:t>http://</a:t>
-            </a:r>
-            <a:r>
-              <a:rPr lang="es-MX" dirty="0" smtClean="0">
-                <a:hlinkClick r:id="rId2"/>
-              </a:rPr>
-              <a:t>jesusgonzalezfonseca.blogspot.com/2013/01/heuristicos-y-sesgos-cognitivos-los.html</a:t>
-            </a:r>
-            <a:endParaRPr lang="es-MX" dirty="0" smtClean="0"/>
-          </a:p>
-          <a:p>
-            <a:endParaRPr lang="es-MX" dirty="0"/>
-          </a:p>
-        </p:txBody>
-      </p:sp>
+              <a:t>Ejemplos…</a:t>
+            </a:r>
+            <a:endParaRPr lang="es-MX" b="1" dirty="0">
+              <a:effectLst>
+                <a:outerShdw blurRad="38100" dist="38100" dir="2700000" algn="tl">
+                  <a:srgbClr val="000000">
+                    <a:alpha val="43137"/>
+                  </a:srgbClr>
+                </a:outerShdw>
+              </a:effectLst>
+            </a:endParaRPr>
+          </a:p>
+        </p:txBody>
+      </p:sp>
+      <p:pic>
+        <p:nvPicPr>
+          <p:cNvPr id="1030" name="Picture 6" descr="Resultado de imagen para entrevista de trabajo formal informal"/>
+          <p:cNvPicPr>
+            <a:picLocks noChangeAspect="1" noChangeArrowheads="1"/>
+          </p:cNvPicPr>
+          <p:nvPr/>
+        </p:nvPicPr>
+        <p:blipFill>
+          <a:blip r:embed="rId4">
+            <a:extLst>
+              <a:ext uri="{28A0092B-C50C-407E-A947-70E740481C1C}">
+                <a14:useLocalDpi xmlns:a14="http://schemas.microsoft.com/office/drawing/2010/main" val="0"/>
+              </a:ext>
+            </a:extLst>
+          </a:blip>
+          <a:srcRect/>
+          <a:stretch>
+            <a:fillRect/>
+          </a:stretch>
+        </p:blipFill>
+        <p:spPr bwMode="auto">
+          <a:xfrm>
+            <a:off x="6080394" y="3934464"/>
+            <a:ext cx="4264812" cy="2398957"/>
+          </a:xfrm>
+          <a:prstGeom prst="rect">
+            <a:avLst/>
+          </a:prstGeom>
+          <a:noFill/>
+          <a:extLst>
+            <a:ext uri="{909E8E84-426E-40DD-AFC4-6F175D3DCCD1}">
+              <a14:hiddenFill xmlns:a14="http://schemas.microsoft.com/office/drawing/2010/main">
+                <a:solidFill>
+                  <a:srgbClr val="FFFFFF"/>
+                </a:solidFill>
+              </a14:hiddenFill>
+            </a:ext>
+          </a:extLst>
+        </p:spPr>
+      </p:pic>
+      <p:pic>
+        <p:nvPicPr>
+          <p:cNvPr id="1032" name="Picture 8" descr="Resultado de imagen para bill nye"/>
+          <p:cNvPicPr>
+            <a:picLocks noChangeAspect="1" noChangeArrowheads="1"/>
+          </p:cNvPicPr>
+          <p:nvPr/>
+        </p:nvPicPr>
+        <p:blipFill>
+          <a:blip r:embed="rId5">
+            <a:extLst>
+              <a:ext uri="{28A0092B-C50C-407E-A947-70E740481C1C}">
+                <a14:useLocalDpi xmlns:a14="http://schemas.microsoft.com/office/drawing/2010/main" val="0"/>
+              </a:ext>
+            </a:extLst>
+          </a:blip>
+          <a:srcRect/>
+          <a:stretch>
+            <a:fillRect/>
+          </a:stretch>
+        </p:blipFill>
+        <p:spPr bwMode="auto">
+          <a:xfrm>
+            <a:off x="3642723" y="417491"/>
+            <a:ext cx="2857500" cy="2857500"/>
+          </a:xfrm>
+          <a:prstGeom prst="rect">
+            <a:avLst/>
+          </a:prstGeom>
+          <a:noFill/>
+          <a:extLst>
+            <a:ext uri="{909E8E84-426E-40DD-AFC4-6F175D3DCCD1}">
+              <a14:hiddenFill xmlns:a14="http://schemas.microsoft.com/office/drawing/2010/main">
+                <a:solidFill>
+                  <a:srgbClr val="FFFFFF"/>
+                </a:solidFill>
+              </a14:hiddenFill>
+            </a:ext>
+          </a:extLst>
+        </p:spPr>
+      </p:pic>
     </p:spTree>
     <p:extLst>
       <p:ext uri="{BB962C8B-B14F-4D97-AF65-F5344CB8AC3E}">
-        <p14:creationId xmlns:p14="http://schemas.microsoft.com/office/powerpoint/2010/main" val="3458321354"/>
+        <p14:creationId xmlns:p14="http://schemas.microsoft.com/office/powerpoint/2010/main" val="3133390530"/>
       </p:ext>
     </p:extLst>
   </p:cSld>
   <p:clrMapOvr>
     <a:masterClrMapping/>
   </p:clrMapOvr>
-  <p:timing>
-    <p:tnLst>
-      <p:par>
-        <p:cTn id="1" dur="indefinite" restart="never" nodeType="tmRoot"/>
-      </p:par>
-    </p:tnLst>
-  </p:timing>
 </p:sld>
 </file>
 
-<file path=ppt/slides/slide2.xml><?xml version="1.0" encoding="utf-8"?>
+<file path=ppt/slides/slide23.xml><?xml version="1.0" encoding="utf-8"?>
 <p:sld xmlns:a="http://schemas.openxmlformats.org/drawingml/2006/main" xmlns:r="http://schemas.openxmlformats.org/officeDocument/2006/relationships" xmlns:p="http://schemas.openxmlformats.org/presentationml/2006/main">
   <p:cSld>
     <p:spTree>
@@ -6721,7 +8194,7 @@
           <a:p>
             <a:r>
               <a:rPr lang="es-MX" dirty="0" smtClean="0"/>
-              <a:t>Definiciones</a:t>
+              <a:t>Efecto del Framing:</a:t>
             </a:r>
             <a:endParaRPr lang="es-MX" dirty="0"/>
           </a:p>
@@ -6736,111 +8209,1248 @@
           <p:nvPr>
             <p:ph idx="1"/>
           </p:nvPr>
+        </p:nvSpPr>
+        <p:spPr/>
+        <p:txBody>
+          <a:bodyPr/>
+          <a:lstStyle/>
+          <a:p>
+            <a:endParaRPr lang="es-MX" dirty="0" smtClean="0"/>
+          </a:p>
+          <a:p>
+            <a:endParaRPr lang="es-MX" dirty="0"/>
+          </a:p>
+        </p:txBody>
+      </p:sp>
+      <p:sp>
+        <p:nvSpPr>
+          <p:cNvPr id="5" name="Marcador de contenido 2"/>
+          <p:cNvSpPr txBox="1">
+            <a:spLocks/>
+          </p:cNvSpPr>
+          <p:nvPr/>
         </p:nvSpPr>
         <p:spPr>
           <a:xfrm>
-            <a:off x="677334" y="1313645"/>
-            <a:ext cx="8596668" cy="4727717"/>
+            <a:off x="431801" y="1635656"/>
+            <a:ext cx="8596668" cy="3880773"/>
           </a:xfrm>
+          <a:prstGeom prst="rect">
+            <a:avLst/>
+          </a:prstGeom>
         </p:spPr>
         <p:txBody>
-          <a:bodyPr/>
-          <a:lstStyle/>
-          <a:p>
-            <a:r>
-              <a:rPr lang="es-MX" b="1" dirty="0" smtClean="0">
-                <a:solidFill>
-                  <a:schemeClr val="accent2">
-                    <a:lumMod val="50000"/>
+          <a:bodyPr vert="horz" lIns="91440" tIns="45720" rIns="91440" bIns="45720" rtlCol="0">
+            <a:normAutofit/>
+          </a:bodyPr>
+          <a:lstStyle>
+            <a:lvl1pPr marL="342900" indent="-342900" algn="l" defTabSz="457200" rtl="0" eaLnBrk="1" latinLnBrk="0" hangingPunct="1">
+              <a:spcBef>
+                <a:spcPts val="1000"/>
+              </a:spcBef>
+              <a:spcAft>
+                <a:spcPts val="0"/>
+              </a:spcAft>
+              <a:buClr>
+                <a:schemeClr val="accent1"/>
+              </a:buClr>
+              <a:buSzPct val="80000"/>
+              <a:buFont typeface="Wingdings 3" charset="2"/>
+              <a:buChar char=""/>
+              <a:defRPr sz="1800" kern="1200">
+                <a:solidFill>
+                  <a:schemeClr val="tx1">
+                    <a:lumMod val="75000"/>
+                    <a:lumOff val="25000"/>
                   </a:schemeClr>
                 </a:solidFill>
-              </a:rPr>
-              <a:t>Un </a:t>
-            </a:r>
-            <a:r>
-              <a:rPr lang="es-MX" sz="2200" b="1" dirty="0" smtClean="0">
-                <a:solidFill>
-                  <a:schemeClr val="accent2">
-                    <a:lumMod val="50000"/>
+                <a:latin typeface="+mn-lt"/>
+                <a:ea typeface="+mn-ea"/>
+                <a:cs typeface="+mn-cs"/>
+              </a:defRPr>
+            </a:lvl1pPr>
+            <a:lvl2pPr marL="742950" indent="-285750" algn="l" defTabSz="457200" rtl="0" eaLnBrk="1" latinLnBrk="0" hangingPunct="1">
+              <a:spcBef>
+                <a:spcPts val="1000"/>
+              </a:spcBef>
+              <a:spcAft>
+                <a:spcPts val="0"/>
+              </a:spcAft>
+              <a:buClr>
+                <a:schemeClr val="accent1"/>
+              </a:buClr>
+              <a:buSzPct val="80000"/>
+              <a:buFont typeface="Wingdings 3" charset="2"/>
+              <a:buChar char=""/>
+              <a:defRPr sz="1600" kern="1200">
+                <a:solidFill>
+                  <a:schemeClr val="tx1">
+                    <a:lumMod val="75000"/>
+                    <a:lumOff val="25000"/>
                   </a:schemeClr>
                 </a:solidFill>
-              </a:rPr>
-              <a:t>heurístico</a:t>
-            </a:r>
-            <a:r>
-              <a:rPr lang="es-MX" b="1" dirty="0">
-                <a:solidFill>
-                  <a:schemeClr val="accent2">
-                    <a:lumMod val="50000"/>
+                <a:latin typeface="+mn-lt"/>
+                <a:ea typeface="+mn-ea"/>
+                <a:cs typeface="+mn-cs"/>
+              </a:defRPr>
+            </a:lvl2pPr>
+            <a:lvl3pPr marL="1143000" indent="-228600" algn="l" defTabSz="457200" rtl="0" eaLnBrk="1" latinLnBrk="0" hangingPunct="1">
+              <a:spcBef>
+                <a:spcPts val="1000"/>
+              </a:spcBef>
+              <a:spcAft>
+                <a:spcPts val="0"/>
+              </a:spcAft>
+              <a:buClr>
+                <a:schemeClr val="accent1"/>
+              </a:buClr>
+              <a:buSzPct val="80000"/>
+              <a:buFont typeface="Wingdings 3" charset="2"/>
+              <a:buChar char=""/>
+              <a:defRPr sz="1400" kern="1200">
+                <a:solidFill>
+                  <a:schemeClr val="tx1">
+                    <a:lumMod val="75000"/>
+                    <a:lumOff val="25000"/>
                   </a:schemeClr>
                 </a:solidFill>
-              </a:rPr>
-              <a:t> </a:t>
-            </a:r>
-            <a:r>
-              <a:rPr lang="es-MX" b="1" dirty="0" smtClean="0">
-                <a:solidFill>
-                  <a:schemeClr val="accent2">
-                    <a:lumMod val="50000"/>
+                <a:latin typeface="+mn-lt"/>
+                <a:ea typeface="+mn-ea"/>
+                <a:cs typeface="+mn-cs"/>
+              </a:defRPr>
+            </a:lvl3pPr>
+            <a:lvl4pPr marL="1600200" indent="-228600" algn="l" defTabSz="457200" rtl="0" eaLnBrk="1" latinLnBrk="0" hangingPunct="1">
+              <a:spcBef>
+                <a:spcPts val="1000"/>
+              </a:spcBef>
+              <a:spcAft>
+                <a:spcPts val="0"/>
+              </a:spcAft>
+              <a:buClr>
+                <a:schemeClr val="accent1"/>
+              </a:buClr>
+              <a:buSzPct val="80000"/>
+              <a:buFont typeface="Wingdings 3" charset="2"/>
+              <a:buChar char=""/>
+              <a:defRPr sz="1200" kern="1200">
+                <a:solidFill>
+                  <a:schemeClr val="tx1">
+                    <a:lumMod val="75000"/>
+                    <a:lumOff val="25000"/>
                   </a:schemeClr>
                 </a:solidFill>
-              </a:rPr>
-              <a:t>es una “herramienta mental” que nuestro cerebro aplica de manera automática e inconsciente, a cierto tipo de situaciones para formar un juicio o tomar una decisión de manera rápida.</a:t>
-            </a:r>
-          </a:p>
-          <a:p>
-            <a:endParaRPr lang="es-MX" b="1" dirty="0">
-              <a:solidFill>
-                <a:schemeClr val="accent2">
-                  <a:lumMod val="50000"/>
-                </a:schemeClr>
-              </a:solidFill>
-            </a:endParaRPr>
-          </a:p>
-          <a:p>
-            <a:r>
-              <a:rPr lang="es-MX" b="1" dirty="0" smtClean="0">
-                <a:solidFill>
-                  <a:schemeClr val="accent2">
-                    <a:lumMod val="50000"/>
+                <a:latin typeface="+mn-lt"/>
+                <a:ea typeface="+mn-ea"/>
+                <a:cs typeface="+mn-cs"/>
+              </a:defRPr>
+            </a:lvl4pPr>
+            <a:lvl5pPr marL="2057400" indent="-228600" algn="l" defTabSz="457200" rtl="0" eaLnBrk="1" latinLnBrk="0" hangingPunct="1">
+              <a:spcBef>
+                <a:spcPts val="1000"/>
+              </a:spcBef>
+              <a:spcAft>
+                <a:spcPts val="0"/>
+              </a:spcAft>
+              <a:buClr>
+                <a:schemeClr val="accent1"/>
+              </a:buClr>
+              <a:buSzPct val="80000"/>
+              <a:buFont typeface="Wingdings 3" charset="2"/>
+              <a:buChar char=""/>
+              <a:defRPr sz="1200" kern="1200">
+                <a:solidFill>
+                  <a:schemeClr val="tx1">
+                    <a:lumMod val="75000"/>
+                    <a:lumOff val="25000"/>
                   </a:schemeClr>
                 </a:solidFill>
-              </a:rPr>
-              <a:t>Un </a:t>
-            </a:r>
-            <a:r>
-              <a:rPr lang="es-MX" sz="2200" b="1" dirty="0" smtClean="0">
-                <a:solidFill>
-                  <a:schemeClr val="accent2">
-                    <a:lumMod val="50000"/>
+                <a:latin typeface="+mn-lt"/>
+                <a:ea typeface="+mn-ea"/>
+                <a:cs typeface="+mn-cs"/>
+              </a:defRPr>
+            </a:lvl5pPr>
+            <a:lvl6pPr marL="2514600" indent="-228600" algn="l" defTabSz="457200" rtl="0" eaLnBrk="1" latinLnBrk="0" hangingPunct="1">
+              <a:spcBef>
+                <a:spcPts val="1000"/>
+              </a:spcBef>
+              <a:spcAft>
+                <a:spcPts val="0"/>
+              </a:spcAft>
+              <a:buClr>
+                <a:schemeClr val="accent1"/>
+              </a:buClr>
+              <a:buSzPct val="80000"/>
+              <a:buFont typeface="Wingdings 3" charset="2"/>
+              <a:buChar char=""/>
+              <a:defRPr sz="1200" kern="1200">
+                <a:solidFill>
+                  <a:schemeClr val="tx1">
+                    <a:lumMod val="75000"/>
+                    <a:lumOff val="25000"/>
                   </a:schemeClr>
                 </a:solidFill>
-              </a:rPr>
-              <a:t>sesgo </a:t>
-            </a:r>
+                <a:latin typeface="+mn-lt"/>
+                <a:ea typeface="+mn-ea"/>
+                <a:cs typeface="+mn-cs"/>
+              </a:defRPr>
+            </a:lvl6pPr>
+            <a:lvl7pPr marL="2971800" indent="-228600" algn="l" defTabSz="457200" rtl="0" eaLnBrk="1" latinLnBrk="0" hangingPunct="1">
+              <a:spcBef>
+                <a:spcPts val="1000"/>
+              </a:spcBef>
+              <a:spcAft>
+                <a:spcPts val="0"/>
+              </a:spcAft>
+              <a:buClr>
+                <a:schemeClr val="accent1"/>
+              </a:buClr>
+              <a:buSzPct val="80000"/>
+              <a:buFont typeface="Wingdings 3" charset="2"/>
+              <a:buChar char=""/>
+              <a:defRPr sz="1200" kern="1200">
+                <a:solidFill>
+                  <a:schemeClr val="tx1">
+                    <a:lumMod val="75000"/>
+                    <a:lumOff val="25000"/>
+                  </a:schemeClr>
+                </a:solidFill>
+                <a:latin typeface="+mn-lt"/>
+                <a:ea typeface="+mn-ea"/>
+                <a:cs typeface="+mn-cs"/>
+              </a:defRPr>
+            </a:lvl7pPr>
+            <a:lvl8pPr marL="3429000" indent="-228600" algn="l" defTabSz="457200" rtl="0" eaLnBrk="1" latinLnBrk="0" hangingPunct="1">
+              <a:spcBef>
+                <a:spcPts val="1000"/>
+              </a:spcBef>
+              <a:spcAft>
+                <a:spcPts val="0"/>
+              </a:spcAft>
+              <a:buClr>
+                <a:schemeClr val="accent1"/>
+              </a:buClr>
+              <a:buSzPct val="80000"/>
+              <a:buFont typeface="Wingdings 3" charset="2"/>
+              <a:buChar char=""/>
+              <a:defRPr sz="1200" kern="1200">
+                <a:solidFill>
+                  <a:schemeClr val="tx1">
+                    <a:lumMod val="75000"/>
+                    <a:lumOff val="25000"/>
+                  </a:schemeClr>
+                </a:solidFill>
+                <a:latin typeface="+mn-lt"/>
+                <a:ea typeface="+mn-ea"/>
+                <a:cs typeface="+mn-cs"/>
+              </a:defRPr>
+            </a:lvl8pPr>
+            <a:lvl9pPr marL="3886200" indent="-228600" algn="l" defTabSz="457200" rtl="0" eaLnBrk="1" latinLnBrk="0" hangingPunct="1">
+              <a:spcBef>
+                <a:spcPts val="1000"/>
+              </a:spcBef>
+              <a:spcAft>
+                <a:spcPts val="0"/>
+              </a:spcAft>
+              <a:buClr>
+                <a:schemeClr val="accent1"/>
+              </a:buClr>
+              <a:buSzPct val="80000"/>
+              <a:buFont typeface="Wingdings 3" charset="2"/>
+              <a:buChar char=""/>
+              <a:defRPr sz="1200" kern="1200">
+                <a:solidFill>
+                  <a:schemeClr val="tx1">
+                    <a:lumMod val="75000"/>
+                    <a:lumOff val="25000"/>
+                  </a:schemeClr>
+                </a:solidFill>
+                <a:latin typeface="+mn-lt"/>
+                <a:ea typeface="+mn-ea"/>
+                <a:cs typeface="+mn-cs"/>
+              </a:defRPr>
+            </a:lvl9pPr>
+          </a:lstStyle>
+          <a:p>
+            <a:pPr algn="just"/>
             <a:r>
               <a:rPr lang="es-MX" dirty="0" smtClean="0"/>
-              <a:t>implica un error </a:t>
-            </a:r>
-            <a:r>
-              <a:rPr lang="es-MX" dirty="0"/>
-              <a:t>sistemático de </a:t>
+              <a:t>La manera en la que se nos presenta la información (</a:t>
+            </a:r>
+            <a:r>
+              <a:rPr lang="es-MX" b="1" dirty="0" smtClean="0"/>
+              <a:t>el encuadre </a:t>
             </a:r>
             <a:r>
               <a:rPr lang="es-MX" dirty="0" smtClean="0"/>
-              <a:t>razonamiento, derivado del uso de estos heurísticos.</a:t>
-            </a:r>
-            <a:endParaRPr lang="es-MX" b="1" dirty="0"/>
-          </a:p>
-          <a:p>
-            <a:endParaRPr lang="es-MX" b="1" dirty="0"/>
-          </a:p>
-        </p:txBody>
-      </p:sp>
+              <a:t>o </a:t>
+            </a:r>
+            <a:r>
+              <a:rPr lang="es-MX" b="1" dirty="0" smtClean="0"/>
+              <a:t>framing</a:t>
+            </a:r>
+            <a:r>
+              <a:rPr lang="es-MX" dirty="0" smtClean="0"/>
+              <a:t>) juega un papel importante en la forma en que procesamos la información y establecemos juicios de valor.</a:t>
+            </a:r>
+            <a:endParaRPr lang="es-MX" dirty="0"/>
+          </a:p>
+        </p:txBody>
+      </p:sp>
+      <p:pic>
+        <p:nvPicPr>
+          <p:cNvPr id="7" name="Imagen 6"/>
+          <p:cNvPicPr>
+            <a:picLocks noChangeAspect="1"/>
+          </p:cNvPicPr>
+          <p:nvPr/>
+        </p:nvPicPr>
+        <p:blipFill>
+          <a:blip r:embed="rId2"/>
+          <a:stretch>
+            <a:fillRect/>
+          </a:stretch>
+        </p:blipFill>
+        <p:spPr>
+          <a:xfrm>
+            <a:off x="5359401" y="2644779"/>
+            <a:ext cx="6096000" cy="4057650"/>
+          </a:xfrm>
+          <a:prstGeom prst="rect">
+            <a:avLst/>
+          </a:prstGeom>
+        </p:spPr>
+      </p:pic>
     </p:spTree>
     <p:extLst>
       <p:ext uri="{BB962C8B-B14F-4D97-AF65-F5344CB8AC3E}">
-        <p14:creationId xmlns:p14="http://schemas.microsoft.com/office/powerpoint/2010/main" val="1003217412"/>
+        <p14:creationId xmlns:p14="http://schemas.microsoft.com/office/powerpoint/2010/main" val="4194537248"/>
+      </p:ext>
+    </p:extLst>
+  </p:cSld>
+  <p:clrMapOvr>
+    <a:masterClrMapping/>
+  </p:clrMapOvr>
+</p:sld>
+</file>
+
+<file path=ppt/slides/slide24.xml><?xml version="1.0" encoding="utf-8"?>
+<p:sld xmlns:a="http://schemas.openxmlformats.org/drawingml/2006/main" xmlns:r="http://schemas.openxmlformats.org/officeDocument/2006/relationships" xmlns:p="http://schemas.openxmlformats.org/presentationml/2006/main">
+  <p:cSld>
+    <p:spTree>
+      <p:nvGrpSpPr>
+        <p:cNvPr id="1" name=""/>
+        <p:cNvGrpSpPr/>
+        <p:nvPr/>
+      </p:nvGrpSpPr>
+      <p:grpSpPr>
+        <a:xfrm>
+          <a:off x="0" y="0"/>
+          <a:ext cx="0" cy="0"/>
+          <a:chOff x="0" y="0"/>
+          <a:chExt cx="0" cy="0"/>
+        </a:xfrm>
+      </p:grpSpPr>
+      <p:sp>
+        <p:nvSpPr>
+          <p:cNvPr id="2" name="Título 1"/>
+          <p:cNvSpPr>
+            <a:spLocks noGrp="1"/>
+          </p:cNvSpPr>
+          <p:nvPr>
+            <p:ph type="title"/>
+          </p:nvPr>
+        </p:nvSpPr>
+        <p:spPr/>
+        <p:txBody>
+          <a:bodyPr/>
+          <a:lstStyle/>
+          <a:p>
+            <a:r>
+              <a:rPr lang="es-MX" dirty="0" smtClean="0"/>
+              <a:t/>
+            </a:r>
+            <a:br>
+              <a:rPr lang="es-MX" dirty="0" smtClean="0"/>
+            </a:br>
+            <a:endParaRPr lang="es-MX" dirty="0"/>
+          </a:p>
+        </p:txBody>
+      </p:sp>
+      <p:sp>
+        <p:nvSpPr>
+          <p:cNvPr id="3" name="Marcador de contenido 2"/>
+          <p:cNvSpPr>
+            <a:spLocks noGrp="1"/>
+          </p:cNvSpPr>
+          <p:nvPr>
+            <p:ph idx="1"/>
+          </p:nvPr>
+        </p:nvSpPr>
+        <p:spPr/>
+        <p:txBody>
+          <a:bodyPr/>
+          <a:lstStyle/>
+          <a:p>
+            <a:endParaRPr lang="es-MX" dirty="0" smtClean="0"/>
+          </a:p>
+          <a:p>
+            <a:endParaRPr lang="es-MX" dirty="0"/>
+          </a:p>
+        </p:txBody>
+      </p:sp>
+      <p:pic>
+        <p:nvPicPr>
+          <p:cNvPr id="4" name="Imagen 3"/>
+          <p:cNvPicPr>
+            <a:picLocks noChangeAspect="1"/>
+          </p:cNvPicPr>
+          <p:nvPr/>
+        </p:nvPicPr>
+        <p:blipFill>
+          <a:blip r:embed="rId2"/>
+          <a:stretch>
+            <a:fillRect/>
+          </a:stretch>
+        </p:blipFill>
+        <p:spPr>
+          <a:xfrm>
+            <a:off x="6527801" y="4422112"/>
+            <a:ext cx="5667375" cy="1619250"/>
+          </a:xfrm>
+          <a:prstGeom prst="rect">
+            <a:avLst/>
+          </a:prstGeom>
+          <a:ln>
+            <a:solidFill>
+              <a:schemeClr val="accent2">
+                <a:lumMod val="50000"/>
+              </a:schemeClr>
+            </a:solidFill>
+          </a:ln>
+        </p:spPr>
+      </p:pic>
+      <p:sp>
+        <p:nvSpPr>
+          <p:cNvPr id="5" name="Título 1"/>
+          <p:cNvSpPr txBox="1">
+            <a:spLocks/>
+          </p:cNvSpPr>
+          <p:nvPr/>
+        </p:nvSpPr>
+        <p:spPr>
+          <a:xfrm>
+            <a:off x="829734" y="762000"/>
+            <a:ext cx="8596668" cy="1320800"/>
+          </a:xfrm>
+          <a:prstGeom prst="rect">
+            <a:avLst/>
+          </a:prstGeom>
+        </p:spPr>
+        <p:txBody>
+          <a:bodyPr vert="horz" lIns="91440" tIns="45720" rIns="91440" bIns="45720" rtlCol="0" anchor="t">
+            <a:normAutofit/>
+          </a:bodyPr>
+          <a:lstStyle>
+            <a:lvl1pPr algn="l" defTabSz="457200" rtl="0" eaLnBrk="1" latinLnBrk="0" hangingPunct="1">
+              <a:spcBef>
+                <a:spcPct val="0"/>
+              </a:spcBef>
+              <a:buNone/>
+              <a:defRPr sz="3600" kern="1200">
+                <a:solidFill>
+                  <a:schemeClr val="accent1"/>
+                </a:solidFill>
+                <a:latin typeface="+mj-lt"/>
+                <a:ea typeface="+mj-ea"/>
+                <a:cs typeface="+mj-cs"/>
+              </a:defRPr>
+            </a:lvl1pPr>
+            <a:lvl2pPr eaLnBrk="1" hangingPunct="1">
+              <a:defRPr>
+                <a:solidFill>
+                  <a:schemeClr val="tx2"/>
+                </a:solidFill>
+              </a:defRPr>
+            </a:lvl2pPr>
+            <a:lvl3pPr eaLnBrk="1" hangingPunct="1">
+              <a:defRPr>
+                <a:solidFill>
+                  <a:schemeClr val="tx2"/>
+                </a:solidFill>
+              </a:defRPr>
+            </a:lvl3pPr>
+            <a:lvl4pPr eaLnBrk="1" hangingPunct="1">
+              <a:defRPr>
+                <a:solidFill>
+                  <a:schemeClr val="tx2"/>
+                </a:solidFill>
+              </a:defRPr>
+            </a:lvl4pPr>
+            <a:lvl5pPr eaLnBrk="1" hangingPunct="1">
+              <a:defRPr>
+                <a:solidFill>
+                  <a:schemeClr val="tx2"/>
+                </a:solidFill>
+              </a:defRPr>
+            </a:lvl5pPr>
+            <a:lvl6pPr eaLnBrk="1" hangingPunct="1">
+              <a:defRPr>
+                <a:solidFill>
+                  <a:schemeClr val="tx2"/>
+                </a:solidFill>
+              </a:defRPr>
+            </a:lvl6pPr>
+            <a:lvl7pPr eaLnBrk="1" hangingPunct="1">
+              <a:defRPr>
+                <a:solidFill>
+                  <a:schemeClr val="tx2"/>
+                </a:solidFill>
+              </a:defRPr>
+            </a:lvl7pPr>
+            <a:lvl8pPr eaLnBrk="1" hangingPunct="1">
+              <a:defRPr>
+                <a:solidFill>
+                  <a:schemeClr val="tx2"/>
+                </a:solidFill>
+              </a:defRPr>
+            </a:lvl8pPr>
+            <a:lvl9pPr eaLnBrk="1" hangingPunct="1">
+              <a:defRPr>
+                <a:solidFill>
+                  <a:schemeClr val="tx2"/>
+                </a:solidFill>
+              </a:defRPr>
+            </a:lvl9pPr>
+          </a:lstStyle>
+          <a:p>
+            <a:r>
+              <a:rPr lang="es-MX" smtClean="0"/>
+              <a:t>Efecto del Framing:</a:t>
+            </a:r>
+            <a:endParaRPr lang="es-MX" dirty="0"/>
+          </a:p>
+        </p:txBody>
+      </p:sp>
+    </p:spTree>
+    <p:extLst>
+      <p:ext uri="{BB962C8B-B14F-4D97-AF65-F5344CB8AC3E}">
+        <p14:creationId xmlns:p14="http://schemas.microsoft.com/office/powerpoint/2010/main" val="2618698012"/>
+      </p:ext>
+    </p:extLst>
+  </p:cSld>
+  <p:clrMapOvr>
+    <a:masterClrMapping/>
+  </p:clrMapOvr>
+</p:sld>
+</file>
+
+<file path=ppt/slides/slide25.xml><?xml version="1.0" encoding="utf-8"?>
+<p:sld xmlns:a="http://schemas.openxmlformats.org/drawingml/2006/main" xmlns:r="http://schemas.openxmlformats.org/officeDocument/2006/relationships" xmlns:p="http://schemas.openxmlformats.org/presentationml/2006/main">
+  <p:cSld>
+    <p:spTree>
+      <p:nvGrpSpPr>
+        <p:cNvPr id="1" name=""/>
+        <p:cNvGrpSpPr/>
+        <p:nvPr/>
+      </p:nvGrpSpPr>
+      <p:grpSpPr>
+        <a:xfrm>
+          <a:off x="0" y="0"/>
+          <a:ext cx="0" cy="0"/>
+          <a:chOff x="0" y="0"/>
+          <a:chExt cx="0" cy="0"/>
+        </a:xfrm>
+      </p:grpSpPr>
+      <p:sp>
+        <p:nvSpPr>
+          <p:cNvPr id="2" name="Título 1"/>
+          <p:cNvSpPr>
+            <a:spLocks noGrp="1"/>
+          </p:cNvSpPr>
+          <p:nvPr>
+            <p:ph type="title"/>
+          </p:nvPr>
+        </p:nvSpPr>
+        <p:spPr/>
+        <p:txBody>
+          <a:bodyPr/>
+          <a:lstStyle/>
+          <a:p>
+            <a:r>
+              <a:rPr lang="es-MX" b="1" u="sng" dirty="0" smtClean="0"/>
+              <a:t>Costo Hundido</a:t>
+            </a:r>
+            <a:endParaRPr lang="es-MX" b="1" u="sng" dirty="0"/>
+          </a:p>
+        </p:txBody>
+      </p:sp>
+      <p:sp>
+        <p:nvSpPr>
+          <p:cNvPr id="3" name="Marcador de contenido 2"/>
+          <p:cNvSpPr>
+            <a:spLocks noGrp="1"/>
+          </p:cNvSpPr>
+          <p:nvPr>
+            <p:ph idx="1"/>
+          </p:nvPr>
+        </p:nvSpPr>
+        <p:spPr/>
+        <p:txBody>
+          <a:bodyPr/>
+          <a:lstStyle/>
+          <a:p>
+            <a:pPr marL="0" indent="0">
+              <a:buNone/>
+            </a:pPr>
+            <a:r>
+              <a:rPr lang="es-MX" dirty="0" smtClean="0"/>
+              <a:t>Imagina que estás en tu casa y decides ver una película de </a:t>
+            </a:r>
+            <a:r>
+              <a:rPr lang="es-MX" dirty="0" err="1" smtClean="0"/>
+              <a:t>Netflix</a:t>
+            </a:r>
+            <a:r>
+              <a:rPr lang="es-MX" dirty="0" smtClean="0"/>
+              <a:t>, llevas 30 minutos y te está aburriendo muchísimo, ¿la terminarías de ver?</a:t>
+            </a:r>
+          </a:p>
+          <a:p>
+            <a:pPr marL="0" indent="0">
+              <a:buNone/>
+            </a:pPr>
+            <a:endParaRPr lang="es-MX" dirty="0"/>
+          </a:p>
+          <a:p>
+            <a:pPr marL="0" indent="0">
+              <a:buNone/>
+            </a:pPr>
+            <a:endParaRPr lang="es-MX" dirty="0" smtClean="0"/>
+          </a:p>
+          <a:p>
+            <a:pPr marL="0" indent="0">
+              <a:buNone/>
+            </a:pPr>
+            <a:r>
+              <a:rPr lang="es-MX" dirty="0" smtClean="0"/>
+              <a:t>Imagina que compraste boletos para ver una película en una sala VIP por 2,000 pesos. Después de media hora, te das cuenta que la película es terriblemente aburrida, ¿la terminarías de ver?</a:t>
+            </a:r>
+            <a:endParaRPr lang="es-MX" dirty="0"/>
+          </a:p>
+        </p:txBody>
+      </p:sp>
+      <p:sp>
+        <p:nvSpPr>
+          <p:cNvPr id="4" name="Rectángulo redondeado 3"/>
+          <p:cNvSpPr/>
+          <p:nvPr/>
+        </p:nvSpPr>
+        <p:spPr>
+          <a:xfrm>
+            <a:off x="567267" y="1930400"/>
+            <a:ext cx="8551333" cy="1176867"/>
+          </a:xfrm>
+          <a:prstGeom prst="roundRect">
+            <a:avLst/>
+          </a:prstGeom>
+        </p:spPr>
+        <p:style>
+          <a:lnRef idx="2">
+            <a:schemeClr val="accent1">
+              <a:shade val="50000"/>
+            </a:schemeClr>
+          </a:lnRef>
+          <a:fillRef idx="1">
+            <a:schemeClr val="accent1"/>
+          </a:fillRef>
+          <a:effectRef idx="0">
+            <a:schemeClr val="accent1"/>
+          </a:effectRef>
+          <a:fontRef idx="minor">
+            <a:schemeClr val="lt1"/>
+          </a:fontRef>
+        </p:style>
+        <p:txBody>
+          <a:bodyPr rtlCol="0" anchor="ctr"/>
+          <a:lstStyle/>
+          <a:p>
+            <a:pPr algn="ctr"/>
+            <a:endParaRPr lang="es-MX"/>
+          </a:p>
+        </p:txBody>
+      </p:sp>
+      <p:sp>
+        <p:nvSpPr>
+          <p:cNvPr id="5" name="Rectángulo redondeado 4"/>
+          <p:cNvSpPr/>
+          <p:nvPr/>
+        </p:nvSpPr>
+        <p:spPr>
+          <a:xfrm>
+            <a:off x="567267" y="3512541"/>
+            <a:ext cx="8551333" cy="1176867"/>
+          </a:xfrm>
+          <a:prstGeom prst="roundRect">
+            <a:avLst/>
+          </a:prstGeom>
+        </p:spPr>
+        <p:style>
+          <a:lnRef idx="2">
+            <a:schemeClr val="accent1">
+              <a:shade val="50000"/>
+            </a:schemeClr>
+          </a:lnRef>
+          <a:fillRef idx="1">
+            <a:schemeClr val="accent1"/>
+          </a:fillRef>
+          <a:effectRef idx="0">
+            <a:schemeClr val="accent1"/>
+          </a:effectRef>
+          <a:fontRef idx="minor">
+            <a:schemeClr val="lt1"/>
+          </a:fontRef>
+        </p:style>
+        <p:txBody>
+          <a:bodyPr rtlCol="0" anchor="ctr"/>
+          <a:lstStyle/>
+          <a:p>
+            <a:pPr algn="ctr"/>
+            <a:endParaRPr lang="es-MX"/>
+          </a:p>
+        </p:txBody>
+      </p:sp>
+    </p:spTree>
+    <p:extLst>
+      <p:ext uri="{BB962C8B-B14F-4D97-AF65-F5344CB8AC3E}">
+        <p14:creationId xmlns:p14="http://schemas.microsoft.com/office/powerpoint/2010/main" val="755586612"/>
+      </p:ext>
+    </p:extLst>
+  </p:cSld>
+  <p:clrMapOvr>
+    <a:masterClrMapping/>
+  </p:clrMapOvr>
+</p:sld>
+</file>
+
+<file path=ppt/slides/slide26.xml><?xml version="1.0" encoding="utf-8"?>
+<p:sld xmlns:a="http://schemas.openxmlformats.org/drawingml/2006/main" xmlns:r="http://schemas.openxmlformats.org/officeDocument/2006/relationships" xmlns:p="http://schemas.openxmlformats.org/presentationml/2006/main">
+  <p:cSld>
+    <p:spTree>
+      <p:nvGrpSpPr>
+        <p:cNvPr id="1" name=""/>
+        <p:cNvGrpSpPr/>
+        <p:nvPr/>
+      </p:nvGrpSpPr>
+      <p:grpSpPr>
+        <a:xfrm>
+          <a:off x="0" y="0"/>
+          <a:ext cx="0" cy="0"/>
+          <a:chOff x="0" y="0"/>
+          <a:chExt cx="0" cy="0"/>
+        </a:xfrm>
+      </p:grpSpPr>
+      <p:sp>
+        <p:nvSpPr>
+          <p:cNvPr id="2" name="Título 1"/>
+          <p:cNvSpPr>
+            <a:spLocks noGrp="1"/>
+          </p:cNvSpPr>
+          <p:nvPr>
+            <p:ph type="title"/>
+          </p:nvPr>
+        </p:nvSpPr>
+        <p:spPr/>
+        <p:txBody>
+          <a:bodyPr/>
+          <a:lstStyle/>
+          <a:p>
+            <a:r>
+              <a:rPr lang="es-MX" b="1" u="sng" dirty="0" smtClean="0"/>
+              <a:t>Costo Hundido</a:t>
+            </a:r>
+            <a:endParaRPr lang="es-MX" b="1" u="sng" dirty="0"/>
+          </a:p>
+        </p:txBody>
+      </p:sp>
+      <p:sp>
+        <p:nvSpPr>
+          <p:cNvPr id="3" name="Marcador de contenido 2"/>
+          <p:cNvSpPr>
+            <a:spLocks noGrp="1"/>
+          </p:cNvSpPr>
+          <p:nvPr>
+            <p:ph idx="1"/>
+          </p:nvPr>
+        </p:nvSpPr>
+        <p:spPr/>
+        <p:txBody>
+          <a:bodyPr/>
+          <a:lstStyle/>
+          <a:p>
+            <a:pPr marL="0" indent="0">
+              <a:buNone/>
+            </a:pPr>
+            <a:r>
+              <a:rPr lang="es-MX" dirty="0" smtClean="0"/>
+              <a:t>Imagina que estás en tu casa y decides ver una película de </a:t>
+            </a:r>
+            <a:r>
+              <a:rPr lang="es-MX" dirty="0" err="1" smtClean="0"/>
+              <a:t>Netflix</a:t>
+            </a:r>
+            <a:r>
+              <a:rPr lang="es-MX" dirty="0" smtClean="0"/>
+              <a:t>, llevas 30 minutos y te está aburriendo muchísimo, ¿la terminarías de ver?</a:t>
+            </a:r>
+          </a:p>
+          <a:p>
+            <a:pPr marL="0" indent="0">
+              <a:buNone/>
+            </a:pPr>
+            <a:endParaRPr lang="es-MX" dirty="0"/>
+          </a:p>
+          <a:p>
+            <a:pPr marL="0" indent="0">
+              <a:buNone/>
+            </a:pPr>
+            <a:endParaRPr lang="es-MX" dirty="0" smtClean="0"/>
+          </a:p>
+          <a:p>
+            <a:pPr marL="0" indent="0">
+              <a:buNone/>
+            </a:pPr>
+            <a:r>
+              <a:rPr lang="es-MX" dirty="0" smtClean="0"/>
+              <a:t>Imagina que compraste boletos para ver una película en una sala VIP por 2,000 pesos. Después de media hora, te das cuenta que la película es terriblemente aburrida, ¿la terminarías de ver?</a:t>
+            </a:r>
+            <a:endParaRPr lang="es-MX" dirty="0"/>
+          </a:p>
+        </p:txBody>
+      </p:sp>
+      <p:sp>
+        <p:nvSpPr>
+          <p:cNvPr id="5" name="Rectángulo redondeado 4"/>
+          <p:cNvSpPr/>
+          <p:nvPr/>
+        </p:nvSpPr>
+        <p:spPr>
+          <a:xfrm>
+            <a:off x="567267" y="3512541"/>
+            <a:ext cx="8551333" cy="1176867"/>
+          </a:xfrm>
+          <a:prstGeom prst="roundRect">
+            <a:avLst/>
+          </a:prstGeom>
+        </p:spPr>
+        <p:style>
+          <a:lnRef idx="2">
+            <a:schemeClr val="accent1">
+              <a:shade val="50000"/>
+            </a:schemeClr>
+          </a:lnRef>
+          <a:fillRef idx="1">
+            <a:schemeClr val="accent1"/>
+          </a:fillRef>
+          <a:effectRef idx="0">
+            <a:schemeClr val="accent1"/>
+          </a:effectRef>
+          <a:fontRef idx="minor">
+            <a:schemeClr val="lt1"/>
+          </a:fontRef>
+        </p:style>
+        <p:txBody>
+          <a:bodyPr rtlCol="0" anchor="ctr"/>
+          <a:lstStyle/>
+          <a:p>
+            <a:pPr algn="ctr"/>
+            <a:endParaRPr lang="es-MX"/>
+          </a:p>
+        </p:txBody>
+      </p:sp>
+    </p:spTree>
+    <p:extLst>
+      <p:ext uri="{BB962C8B-B14F-4D97-AF65-F5344CB8AC3E}">
+        <p14:creationId xmlns:p14="http://schemas.microsoft.com/office/powerpoint/2010/main" val="1448846561"/>
+      </p:ext>
+    </p:extLst>
+  </p:cSld>
+  <p:clrMapOvr>
+    <a:masterClrMapping/>
+  </p:clrMapOvr>
+</p:sld>
+</file>
+
+<file path=ppt/slides/slide27.xml><?xml version="1.0" encoding="utf-8"?>
+<p:sld xmlns:a="http://schemas.openxmlformats.org/drawingml/2006/main" xmlns:r="http://schemas.openxmlformats.org/officeDocument/2006/relationships" xmlns:p="http://schemas.openxmlformats.org/presentationml/2006/main">
+  <p:cSld>
+    <p:spTree>
+      <p:nvGrpSpPr>
+        <p:cNvPr id="1" name=""/>
+        <p:cNvGrpSpPr/>
+        <p:nvPr/>
+      </p:nvGrpSpPr>
+      <p:grpSpPr>
+        <a:xfrm>
+          <a:off x="0" y="0"/>
+          <a:ext cx="0" cy="0"/>
+          <a:chOff x="0" y="0"/>
+          <a:chExt cx="0" cy="0"/>
+        </a:xfrm>
+      </p:grpSpPr>
+      <p:sp>
+        <p:nvSpPr>
+          <p:cNvPr id="2" name="Título 1"/>
+          <p:cNvSpPr>
+            <a:spLocks noGrp="1"/>
+          </p:cNvSpPr>
+          <p:nvPr>
+            <p:ph type="title"/>
+          </p:nvPr>
+        </p:nvSpPr>
+        <p:spPr/>
+        <p:txBody>
+          <a:bodyPr/>
+          <a:lstStyle/>
+          <a:p>
+            <a:r>
+              <a:rPr lang="es-MX" b="1" u="sng" dirty="0" smtClean="0"/>
+              <a:t>Costo Hundido</a:t>
+            </a:r>
+            <a:endParaRPr lang="es-MX" b="1" u="sng" dirty="0"/>
+          </a:p>
+        </p:txBody>
+      </p:sp>
+      <p:sp>
+        <p:nvSpPr>
+          <p:cNvPr id="3" name="Marcador de contenido 2"/>
+          <p:cNvSpPr>
+            <a:spLocks noGrp="1"/>
+          </p:cNvSpPr>
+          <p:nvPr>
+            <p:ph idx="1"/>
+          </p:nvPr>
+        </p:nvSpPr>
+        <p:spPr/>
+        <p:txBody>
+          <a:bodyPr/>
+          <a:lstStyle/>
+          <a:p>
+            <a:pPr marL="0" indent="0">
+              <a:buNone/>
+            </a:pPr>
+            <a:r>
+              <a:rPr lang="es-MX" dirty="0" smtClean="0"/>
+              <a:t>Imagina que estás en tu casa y decides ver una película de </a:t>
+            </a:r>
+            <a:r>
+              <a:rPr lang="es-MX" dirty="0" err="1" smtClean="0"/>
+              <a:t>Netflix</a:t>
+            </a:r>
+            <a:r>
+              <a:rPr lang="es-MX" dirty="0" smtClean="0"/>
+              <a:t>, llevas 30 minutos y te está aburriendo muchísimo, ¿la terminarías de ver?</a:t>
+            </a:r>
+          </a:p>
+          <a:p>
+            <a:pPr marL="0" indent="0">
+              <a:buNone/>
+            </a:pPr>
+            <a:endParaRPr lang="es-MX" dirty="0"/>
+          </a:p>
+          <a:p>
+            <a:pPr marL="0" indent="0">
+              <a:buNone/>
+            </a:pPr>
+            <a:endParaRPr lang="es-MX" dirty="0" smtClean="0"/>
+          </a:p>
+          <a:p>
+            <a:pPr marL="0" indent="0">
+              <a:buNone/>
+            </a:pPr>
+            <a:r>
+              <a:rPr lang="es-MX" dirty="0" smtClean="0"/>
+              <a:t>Imagina que compraste boletos para ver una película en una sala VIP por 2,000 pesos. Después de media hora, te das cuenta que la película es terriblemente aburrida, ¿la terminarías de ver?</a:t>
+            </a:r>
+            <a:endParaRPr lang="es-MX" dirty="0"/>
+          </a:p>
+        </p:txBody>
+      </p:sp>
+      <p:sp>
+        <p:nvSpPr>
+          <p:cNvPr id="4" name="Rectángulo redondeado 3"/>
+          <p:cNvSpPr/>
+          <p:nvPr/>
+        </p:nvSpPr>
+        <p:spPr>
+          <a:xfrm>
+            <a:off x="567267" y="1930400"/>
+            <a:ext cx="8551333" cy="1176867"/>
+          </a:xfrm>
+          <a:prstGeom prst="roundRect">
+            <a:avLst/>
+          </a:prstGeom>
+        </p:spPr>
+        <p:style>
+          <a:lnRef idx="2">
+            <a:schemeClr val="accent1">
+              <a:shade val="50000"/>
+            </a:schemeClr>
+          </a:lnRef>
+          <a:fillRef idx="1">
+            <a:schemeClr val="accent1"/>
+          </a:fillRef>
+          <a:effectRef idx="0">
+            <a:schemeClr val="accent1"/>
+          </a:effectRef>
+          <a:fontRef idx="minor">
+            <a:schemeClr val="lt1"/>
+          </a:fontRef>
+        </p:style>
+        <p:txBody>
+          <a:bodyPr rtlCol="0" anchor="ctr"/>
+          <a:lstStyle/>
+          <a:p>
+            <a:pPr algn="ctr"/>
+            <a:endParaRPr lang="es-MX"/>
+          </a:p>
+        </p:txBody>
+      </p:sp>
+    </p:spTree>
+    <p:extLst>
+      <p:ext uri="{BB962C8B-B14F-4D97-AF65-F5344CB8AC3E}">
+        <p14:creationId xmlns:p14="http://schemas.microsoft.com/office/powerpoint/2010/main" val="2758452851"/>
+      </p:ext>
+    </p:extLst>
+  </p:cSld>
+  <p:clrMapOvr>
+    <a:masterClrMapping/>
+  </p:clrMapOvr>
+</p:sld>
+</file>
+
+<file path=ppt/slides/slide28.xml><?xml version="1.0" encoding="utf-8"?>
+<p:sld xmlns:a="http://schemas.openxmlformats.org/drawingml/2006/main" xmlns:r="http://schemas.openxmlformats.org/officeDocument/2006/relationships" xmlns:p="http://schemas.openxmlformats.org/presentationml/2006/main">
+  <p:cSld>
+    <p:spTree>
+      <p:nvGrpSpPr>
+        <p:cNvPr id="1" name=""/>
+        <p:cNvGrpSpPr/>
+        <p:nvPr/>
+      </p:nvGrpSpPr>
+      <p:grpSpPr>
+        <a:xfrm>
+          <a:off x="0" y="0"/>
+          <a:ext cx="0" cy="0"/>
+          <a:chOff x="0" y="0"/>
+          <a:chExt cx="0" cy="0"/>
+        </a:xfrm>
+      </p:grpSpPr>
+      <p:sp>
+        <p:nvSpPr>
+          <p:cNvPr id="2" name="Título 1"/>
+          <p:cNvSpPr>
+            <a:spLocks noGrp="1"/>
+          </p:cNvSpPr>
+          <p:nvPr>
+            <p:ph type="title"/>
+          </p:nvPr>
+        </p:nvSpPr>
+        <p:spPr/>
+        <p:txBody>
+          <a:bodyPr/>
+          <a:lstStyle/>
+          <a:p>
+            <a:r>
+              <a:rPr lang="es-MX" b="1" u="sng" dirty="0"/>
+              <a:t>Costo Hundido</a:t>
+            </a:r>
+            <a:endParaRPr lang="es-MX" dirty="0"/>
+          </a:p>
+        </p:txBody>
+      </p:sp>
+      <p:sp>
+        <p:nvSpPr>
+          <p:cNvPr id="3" name="Marcador de contenido 2"/>
+          <p:cNvSpPr>
+            <a:spLocks noGrp="1"/>
+          </p:cNvSpPr>
+          <p:nvPr>
+            <p:ph idx="1"/>
+          </p:nvPr>
+        </p:nvSpPr>
+        <p:spPr/>
+        <p:txBody>
+          <a:bodyPr/>
+          <a:lstStyle/>
+          <a:p>
+            <a:r>
+              <a:rPr lang="es-MX" dirty="0" smtClean="0"/>
+              <a:t>Se habla de “costo hundido” cuando nuestra elección entre dos alternativas toma en cuenta los costos que </a:t>
+            </a:r>
+            <a:r>
+              <a:rPr lang="es-MX" b="1" dirty="0" smtClean="0"/>
+              <a:t>ya hemos invertido</a:t>
+            </a:r>
+            <a:r>
+              <a:rPr lang="es-MX" dirty="0" smtClean="0"/>
+              <a:t> (y que ya hemos perdido de todas formas).</a:t>
+            </a:r>
+          </a:p>
+          <a:p>
+            <a:endParaRPr lang="es-MX" dirty="0"/>
+          </a:p>
+          <a:p>
+            <a:r>
+              <a:rPr lang="es-MX" b="1" u="sng" dirty="0" smtClean="0"/>
+              <a:t>Ejemplos:</a:t>
+            </a:r>
+          </a:p>
+          <a:p>
+            <a:pPr lvl="1"/>
+            <a:r>
+              <a:rPr lang="es-MX" dirty="0" smtClean="0"/>
+              <a:t>No terminar una relación porque ya llevan N cantidad de años juntos.</a:t>
+            </a:r>
+          </a:p>
+          <a:p>
+            <a:pPr lvl="1"/>
+            <a:r>
+              <a:rPr lang="es-MX" dirty="0" smtClean="0"/>
+              <a:t>Terminar una carrera que no te gusta porque ya llevas 2 semestres.</a:t>
+            </a:r>
+          </a:p>
+        </p:txBody>
+      </p:sp>
+    </p:spTree>
+    <p:extLst>
+      <p:ext uri="{BB962C8B-B14F-4D97-AF65-F5344CB8AC3E}">
+        <p14:creationId xmlns:p14="http://schemas.microsoft.com/office/powerpoint/2010/main" val="543525165"/>
+      </p:ext>
+    </p:extLst>
+  </p:cSld>
+  <p:clrMapOvr>
+    <a:masterClrMapping/>
+  </p:clrMapOvr>
+</p:sld>
+</file>
+
+<file path=ppt/slides/slide29.xml><?xml version="1.0" encoding="utf-8"?>
+<p:sld xmlns:a="http://schemas.openxmlformats.org/drawingml/2006/main" xmlns:r="http://schemas.openxmlformats.org/officeDocument/2006/relationships" xmlns:p="http://schemas.openxmlformats.org/presentationml/2006/main">
+  <p:cSld>
+    <p:spTree>
+      <p:nvGrpSpPr>
+        <p:cNvPr id="1" name=""/>
+        <p:cNvGrpSpPr/>
+        <p:nvPr/>
+      </p:nvGrpSpPr>
+      <p:grpSpPr>
+        <a:xfrm>
+          <a:off x="0" y="0"/>
+          <a:ext cx="0" cy="0"/>
+          <a:chOff x="0" y="0"/>
+          <a:chExt cx="0" cy="0"/>
+        </a:xfrm>
+      </p:grpSpPr>
+      <p:sp>
+        <p:nvSpPr>
+          <p:cNvPr id="2" name="Título 1"/>
+          <p:cNvSpPr>
+            <a:spLocks noGrp="1"/>
+          </p:cNvSpPr>
+          <p:nvPr>
+            <p:ph type="title"/>
+          </p:nvPr>
+        </p:nvSpPr>
+        <p:spPr/>
+        <p:txBody>
+          <a:bodyPr/>
+          <a:lstStyle/>
+          <a:p>
+            <a:r>
+              <a:rPr lang="es-MX" dirty="0" smtClean="0"/>
+              <a:t/>
+            </a:r>
+            <a:br>
+              <a:rPr lang="es-MX" dirty="0" smtClean="0"/>
+            </a:br>
+            <a:endParaRPr lang="es-MX" dirty="0"/>
+          </a:p>
+        </p:txBody>
+      </p:sp>
+      <p:sp>
+        <p:nvSpPr>
+          <p:cNvPr id="3" name="Marcador de contenido 2"/>
+          <p:cNvSpPr>
+            <a:spLocks noGrp="1"/>
+          </p:cNvSpPr>
+          <p:nvPr>
+            <p:ph idx="1"/>
+          </p:nvPr>
+        </p:nvSpPr>
+        <p:spPr/>
+        <p:txBody>
+          <a:bodyPr/>
+          <a:lstStyle/>
+          <a:p>
+            <a:endParaRPr lang="es-MX" dirty="0" smtClean="0"/>
+          </a:p>
+          <a:p>
+            <a:endParaRPr lang="es-MX" dirty="0"/>
+          </a:p>
+        </p:txBody>
+      </p:sp>
+      <p:pic>
+        <p:nvPicPr>
+          <p:cNvPr id="2050" name="Picture 2" descr="Resultado de imagen para pensar rapido pensar despacio pdf"/>
+          <p:cNvPicPr>
+            <a:picLocks noChangeAspect="1" noChangeArrowheads="1"/>
+          </p:cNvPicPr>
+          <p:nvPr/>
+        </p:nvPicPr>
+        <p:blipFill>
+          <a:blip r:embed="rId2">
+            <a:extLst>
+              <a:ext uri="{28A0092B-C50C-407E-A947-70E740481C1C}">
+                <a14:useLocalDpi xmlns:a14="http://schemas.microsoft.com/office/drawing/2010/main" val="0"/>
+              </a:ext>
+            </a:extLst>
+          </a:blip>
+          <a:srcRect/>
+          <a:stretch>
+            <a:fillRect/>
+          </a:stretch>
+        </p:blipFill>
+        <p:spPr bwMode="auto">
+          <a:xfrm>
+            <a:off x="3186640" y="125877"/>
+            <a:ext cx="4865160" cy="6296090"/>
+          </a:xfrm>
+          <a:prstGeom prst="rect">
+            <a:avLst/>
+          </a:prstGeom>
+          <a:noFill/>
+          <a:ln w="76200">
+            <a:solidFill>
+              <a:schemeClr val="accent1">
+                <a:lumMod val="50000"/>
+              </a:schemeClr>
+            </a:solidFill>
+          </a:ln>
+          <a:extLst>
+            <a:ext uri="{909E8E84-426E-40DD-AFC4-6F175D3DCCD1}">
+              <a14:hiddenFill xmlns:a14="http://schemas.microsoft.com/office/drawing/2010/main">
+                <a:solidFill>
+                  <a:srgbClr val="FFFFFF"/>
+                </a:solidFill>
+              </a14:hiddenFill>
+            </a:ext>
+          </a:extLst>
+        </p:spPr>
+      </p:pic>
+    </p:spTree>
+    <p:extLst>
+      <p:ext uri="{BB962C8B-B14F-4D97-AF65-F5344CB8AC3E}">
+        <p14:creationId xmlns:p14="http://schemas.microsoft.com/office/powerpoint/2010/main" val="3458321354"/>
       </p:ext>
     </p:extLst>
   </p:cSld>
@@ -6912,7 +9522,45 @@
           <a:bodyPr/>
           <a:lstStyle/>
           <a:p>
+            <a:pPr algn="just"/>
+            <a:r>
+              <a:rPr lang="es-MX" dirty="0" smtClean="0"/>
+              <a:t>Lo utilizamos principalmente cuando queremos hacer un juicio sobre </a:t>
+            </a:r>
+            <a:r>
+              <a:rPr lang="es-MX" b="1" u="sng" dirty="0" smtClean="0"/>
+              <a:t>la probabilidad de que un elemento pertenezca a una categoría</a:t>
+            </a:r>
+            <a:r>
+              <a:rPr lang="es-MX" dirty="0" smtClean="0"/>
+              <a:t> con base en lo que sabemos de su pertenencia a categorías que percibimos como “similares”.</a:t>
+            </a:r>
+          </a:p>
+          <a:p>
+            <a:pPr algn="just"/>
             <a:endParaRPr lang="es-MX" dirty="0"/>
+          </a:p>
+          <a:p>
+            <a:pPr algn="just"/>
+            <a:r>
+              <a:rPr lang="es-MX" b="1" dirty="0" smtClean="0">
+                <a:effectLst>
+                  <a:outerShdw blurRad="38100" dist="38100" dir="2700000" algn="tl">
+                    <a:srgbClr val="000000">
+                      <a:alpha val="43137"/>
+                    </a:srgbClr>
+                  </a:outerShdw>
+                </a:effectLst>
+              </a:rPr>
+              <a:t>Ejemplo:</a:t>
+            </a:r>
+          </a:p>
+          <a:p>
+            <a:pPr lvl="1" algn="just"/>
+            <a:r>
+              <a:rPr lang="es-MX" dirty="0" smtClean="0"/>
+              <a:t>Oye… ¿sabes si a Lupita le gustaría que hiciéramos un pastel por su cumpleaños?</a:t>
+            </a:r>
           </a:p>
         </p:txBody>
       </p:sp>
@@ -6969,79 +9617,90 @@
           <a:lstStyle/>
           <a:p>
             <a:r>
+              <a:rPr lang="es-MX" dirty="0" smtClean="0"/>
+              <a:t>Sesgo de representatividad</a:t>
+            </a:r>
+            <a:endParaRPr lang="es-MX" dirty="0"/>
+          </a:p>
+        </p:txBody>
+      </p:sp>
+      <p:sp>
+        <p:nvSpPr>
+          <p:cNvPr id="3" name="Marcador de contenido 2"/>
+          <p:cNvSpPr>
+            <a:spLocks noGrp="1"/>
+          </p:cNvSpPr>
+          <p:nvPr>
+            <p:ph idx="1"/>
+          </p:nvPr>
+        </p:nvSpPr>
+        <p:spPr/>
+        <p:txBody>
+          <a:bodyPr/>
+          <a:lstStyle/>
+          <a:p>
+            <a:pPr algn="just"/>
+            <a:r>
+              <a:rPr lang="es-MX" dirty="0" smtClean="0"/>
+              <a:t>Como una instancia de juicio probabilístico tiene sentido que este heurístico exista, es un </a:t>
+            </a:r>
+            <a:r>
               <a:rPr lang="es-MX" b="1" dirty="0" smtClean="0"/>
-              <a:t>Heurístico</a:t>
+              <a:t>atajo automático</a:t>
             </a:r>
             <a:r>
               <a:rPr lang="es-MX" dirty="0" smtClean="0"/>
-              <a:t> de accesibilidad</a:t>
-            </a:r>
+              <a:t> que nos permite responder de manera pronta.</a:t>
+            </a:r>
+            <a:endParaRPr lang="es-MX" dirty="0" smtClean="0"/>
+          </a:p>
+          <a:p>
+            <a:pPr algn="just"/>
             <a:endParaRPr lang="es-MX" dirty="0"/>
           </a:p>
-        </p:txBody>
-      </p:sp>
-      <p:sp>
-        <p:nvSpPr>
-          <p:cNvPr id="3" name="Marcador de contenido 2"/>
-          <p:cNvSpPr>
-            <a:spLocks noGrp="1"/>
-          </p:cNvSpPr>
-          <p:nvPr>
-            <p:ph idx="1"/>
-          </p:nvPr>
-        </p:nvSpPr>
-        <p:spPr>
-          <a:xfrm>
-            <a:off x="677333" y="2160589"/>
-            <a:ext cx="8840153" cy="3880773"/>
-          </a:xfrm>
-        </p:spPr>
-        <p:txBody>
-          <a:bodyPr/>
-          <a:lstStyle/>
           <a:p>
             <a:pPr algn="just"/>
             <a:r>
-              <a:rPr lang="es-MX" sz="2300" dirty="0" smtClean="0"/>
-              <a:t>Cuando queremos juzgar </a:t>
-            </a:r>
-            <a:r>
-              <a:rPr lang="es-MX" sz="2300" u="sng" dirty="0" smtClean="0"/>
-              <a:t>qué tan probable es que algo ocurra,</a:t>
-            </a:r>
-            <a:r>
-              <a:rPr lang="es-MX" sz="2300" dirty="0" smtClean="0"/>
-              <a:t> solemos recurrir a la información que tenemos “más cercana” para hacer un estimado.</a:t>
-            </a:r>
-          </a:p>
-          <a:p>
+              <a:rPr lang="es-MX" dirty="0" smtClean="0"/>
+              <a:t>Pero no siempre “lo más probable” es “lo verdadero”… </a:t>
+            </a:r>
+          </a:p>
+          <a:p>
+            <a:pPr algn="just"/>
             <a:endParaRPr lang="es-MX" dirty="0"/>
           </a:p>
           <a:p>
-            <a:pPr marL="0" indent="0">
-              <a:buNone/>
-            </a:pPr>
-            <a:endParaRPr lang="es-MX" dirty="0" smtClean="0"/>
+            <a:pPr algn="just"/>
+            <a:r>
+              <a:rPr lang="es-MX" dirty="0" smtClean="0"/>
+              <a:t>El verdadero problema empieza cuando </a:t>
+            </a:r>
+            <a:r>
+              <a:rPr lang="es-MX" dirty="0" smtClean="0"/>
+              <a:t>asumimos como verdaderas </a:t>
+            </a:r>
+            <a:r>
+              <a:rPr lang="es-MX" dirty="0" smtClean="0"/>
+              <a:t>estas asociaciones o semejanzas y se utilizan para preservar y continuar con la difusión de </a:t>
+            </a:r>
+            <a:r>
+              <a:rPr lang="es-MX" b="1" u="sng" dirty="0" smtClean="0"/>
+              <a:t>prejuicios. </a:t>
+            </a:r>
+            <a:endParaRPr lang="es-MX" dirty="0"/>
           </a:p>
         </p:txBody>
       </p:sp>
     </p:spTree>
     <p:extLst>
       <p:ext uri="{BB962C8B-B14F-4D97-AF65-F5344CB8AC3E}">
-        <p14:creationId xmlns:p14="http://schemas.microsoft.com/office/powerpoint/2010/main" val="685573548"/>
+        <p14:creationId xmlns:p14="http://schemas.microsoft.com/office/powerpoint/2010/main" val="162729970"/>
       </p:ext>
     </p:extLst>
   </p:cSld>
   <p:clrMapOvr>
     <a:masterClrMapping/>
   </p:clrMapOvr>
-  <p:timing>
-    <p:tnLst>
-      <p:par>
-        <p:cTn id="1" dur="indefinite" restart="never" nodeType="tmRoot"/>
-      </p:par>
-    </p:tnLst>
-  </p:timing>
 </p:sld>
 </file>
 
@@ -7087,93 +9746,257 @@
                   </a:outerShdw>
                 </a:effectLst>
               </a:rPr>
-              <a:t>Sesgo</a:t>
-            </a:r>
-            <a:r>
-              <a:rPr lang="es-MX" dirty="0" smtClean="0"/>
-              <a:t> de accesibilidad</a:t>
-            </a:r>
+              <a:t>Ejemplos</a:t>
+            </a:r>
+            <a:endParaRPr lang="es-MX" b="1" dirty="0">
+              <a:effectLst>
+                <a:outerShdw blurRad="38100" dist="38100" dir="2700000" algn="tl">
+                  <a:srgbClr val="000000">
+                    <a:alpha val="43137"/>
+                  </a:srgbClr>
+                </a:outerShdw>
+              </a:effectLst>
+            </a:endParaRPr>
+          </a:p>
+        </p:txBody>
+      </p:sp>
+      <p:sp>
+        <p:nvSpPr>
+          <p:cNvPr id="3" name="Marcador de contenido 2"/>
+          <p:cNvSpPr>
+            <a:spLocks noGrp="1"/>
+          </p:cNvSpPr>
+          <p:nvPr>
+            <p:ph idx="1"/>
+          </p:nvPr>
+        </p:nvSpPr>
+        <p:spPr/>
+        <p:txBody>
+          <a:bodyPr/>
+          <a:lstStyle/>
+          <a:p>
+            <a:endParaRPr lang="es-MX" dirty="0" smtClean="0"/>
+          </a:p>
+          <a:p>
             <a:endParaRPr lang="es-MX" dirty="0"/>
           </a:p>
         </p:txBody>
       </p:sp>
-      <p:sp>
-        <p:nvSpPr>
-          <p:cNvPr id="3" name="Marcador de contenido 2"/>
-          <p:cNvSpPr>
-            <a:spLocks noGrp="1"/>
-          </p:cNvSpPr>
-          <p:nvPr>
-            <p:ph idx="1"/>
-          </p:nvPr>
-        </p:nvSpPr>
-        <p:spPr>
+      <p:pic>
+        <p:nvPicPr>
+          <p:cNvPr id="3074" name="Picture 2" descr="Resultado de imagen para basketball player"/>
+          <p:cNvPicPr>
+            <a:picLocks noChangeAspect="1" noChangeArrowheads="1"/>
+          </p:cNvPicPr>
+          <p:nvPr/>
+        </p:nvPicPr>
+        <p:blipFill>
+          <a:blip r:embed="rId2">
+            <a:extLst>
+              <a:ext uri="{28A0092B-C50C-407E-A947-70E740481C1C}">
+                <a14:useLocalDpi xmlns:a14="http://schemas.microsoft.com/office/drawing/2010/main" val="0"/>
+              </a:ext>
+            </a:extLst>
+          </a:blip>
+          <a:srcRect/>
+          <a:stretch>
+            <a:fillRect/>
+          </a:stretch>
+        </p:blipFill>
+        <p:spPr bwMode="auto">
           <a:xfrm>
-            <a:off x="677333" y="2160589"/>
-            <a:ext cx="8711365" cy="3880773"/>
+            <a:off x="7706156" y="3481506"/>
+            <a:ext cx="4237211" cy="3067741"/>
           </a:xfrm>
+          <a:prstGeom prst="rect">
+            <a:avLst/>
+          </a:prstGeom>
+          <a:noFill/>
+          <a:extLst>
+            <a:ext uri="{909E8E84-426E-40DD-AFC4-6F175D3DCCD1}">
+              <a14:hiddenFill xmlns:a14="http://schemas.microsoft.com/office/drawing/2010/main">
+                <a:solidFill>
+                  <a:srgbClr val="FFFFFF"/>
+                </a:solidFill>
+              </a14:hiddenFill>
+            </a:ext>
+          </a:extLst>
         </p:spPr>
-        <p:txBody>
-          <a:bodyPr>
-            <a:normAutofit/>
-          </a:bodyPr>
-          <a:lstStyle/>
-          <a:p>
-            <a:pPr algn="just"/>
-            <a:r>
-              <a:rPr lang="es-MX" sz="2300" dirty="0" smtClean="0"/>
-              <a:t>Implica </a:t>
-            </a:r>
-            <a:r>
-              <a:rPr lang="es-MX" sz="2300" b="1" dirty="0" smtClean="0"/>
-              <a:t>sobreestimar </a:t>
-            </a:r>
-            <a:r>
-              <a:rPr lang="es-MX" sz="2300" dirty="0" smtClean="0"/>
-              <a:t>la importancia de la información que tenemos disponible o más cercana. </a:t>
-            </a:r>
-          </a:p>
-          <a:p>
-            <a:pPr algn="just"/>
-            <a:endParaRPr lang="es-MX" sz="2300" dirty="0"/>
-          </a:p>
-          <a:p>
-            <a:pPr algn="just"/>
-            <a:r>
-              <a:rPr lang="es-MX" sz="2300" b="1" dirty="0" smtClean="0"/>
-              <a:t>EJEMPLO:</a:t>
-            </a:r>
-          </a:p>
-          <a:p>
-            <a:pPr lvl="1" algn="just"/>
-            <a:r>
-              <a:rPr lang="es-MX" sz="2100" dirty="0" smtClean="0"/>
-              <a:t>¿Qué es más probable: morir en un avión o morir en un accidente automovilístico?</a:t>
-            </a:r>
-          </a:p>
-          <a:p>
-            <a:pPr lvl="1" algn="just"/>
-            <a:endParaRPr lang="es-MX" sz="2100" dirty="0"/>
-          </a:p>
-        </p:txBody>
-      </p:sp>
+      </p:pic>
+      <p:pic>
+        <p:nvPicPr>
+          <p:cNvPr id="3078" name="Picture 6" descr="Resultado de imagen para mujer ensalada"/>
+          <p:cNvPicPr>
+            <a:picLocks noChangeAspect="1" noChangeArrowheads="1"/>
+          </p:cNvPicPr>
+          <p:nvPr/>
+        </p:nvPicPr>
+        <p:blipFill>
+          <a:blip r:embed="rId3" cstate="print">
+            <a:extLst>
+              <a:ext uri="{28A0092B-C50C-407E-A947-70E740481C1C}">
+                <a14:useLocalDpi xmlns:a14="http://schemas.microsoft.com/office/drawing/2010/main" val="0"/>
+              </a:ext>
+            </a:extLst>
+          </a:blip>
+          <a:srcRect/>
+          <a:stretch>
+            <a:fillRect/>
+          </a:stretch>
+        </p:blipFill>
+        <p:spPr bwMode="auto">
+          <a:xfrm flipH="1">
+            <a:off x="509295" y="2886953"/>
+            <a:ext cx="2437949" cy="3662294"/>
+          </a:xfrm>
+          <a:prstGeom prst="rect">
+            <a:avLst/>
+          </a:prstGeom>
+          <a:noFill/>
+          <a:extLst>
+            <a:ext uri="{909E8E84-426E-40DD-AFC4-6F175D3DCCD1}">
+              <a14:hiddenFill xmlns:a14="http://schemas.microsoft.com/office/drawing/2010/main">
+                <a:solidFill>
+                  <a:srgbClr val="FFFFFF"/>
+                </a:solidFill>
+              </a14:hiddenFill>
+            </a:ext>
+          </a:extLst>
+        </p:spPr>
+      </p:pic>
+      <p:pic>
+        <p:nvPicPr>
+          <p:cNvPr id="1028" name="Picture 4" descr="Resultado de imagen para rubias tontas"/>
+          <p:cNvPicPr>
+            <a:picLocks noChangeAspect="1" noChangeArrowheads="1"/>
+          </p:cNvPicPr>
+          <p:nvPr/>
+        </p:nvPicPr>
+        <p:blipFill>
+          <a:blip r:embed="rId4" cstate="print">
+            <a:extLst>
+              <a:ext uri="{28A0092B-C50C-407E-A947-70E740481C1C}">
+                <a14:useLocalDpi xmlns:a14="http://schemas.microsoft.com/office/drawing/2010/main" val="0"/>
+              </a:ext>
+            </a:extLst>
+          </a:blip>
+          <a:srcRect/>
+          <a:stretch>
+            <a:fillRect/>
+          </a:stretch>
+        </p:blipFill>
+        <p:spPr bwMode="auto">
+          <a:xfrm>
+            <a:off x="8130253" y="408570"/>
+            <a:ext cx="3389016" cy="2033410"/>
+          </a:xfrm>
+          <a:prstGeom prst="rect">
+            <a:avLst/>
+          </a:prstGeom>
+          <a:noFill/>
+          <a:extLst>
+            <a:ext uri="{909E8E84-426E-40DD-AFC4-6F175D3DCCD1}">
+              <a14:hiddenFill xmlns:a14="http://schemas.microsoft.com/office/drawing/2010/main">
+                <a:solidFill>
+                  <a:srgbClr val="FFFFFF"/>
+                </a:solidFill>
+              </a14:hiddenFill>
+            </a:ext>
+          </a:extLst>
+        </p:spPr>
+      </p:pic>
+      <p:pic>
+        <p:nvPicPr>
+          <p:cNvPr id="1030" name="Picture 6" descr="Resultado de imagen para niÃ±os videojuegos"/>
+          <p:cNvPicPr>
+            <a:picLocks noChangeAspect="1" noChangeArrowheads="1"/>
+          </p:cNvPicPr>
+          <p:nvPr/>
+        </p:nvPicPr>
+        <p:blipFill>
+          <a:blip r:embed="rId5">
+            <a:extLst>
+              <a:ext uri="{28A0092B-C50C-407E-A947-70E740481C1C}">
+                <a14:useLocalDpi xmlns:a14="http://schemas.microsoft.com/office/drawing/2010/main" val="0"/>
+              </a:ext>
+            </a:extLst>
+          </a:blip>
+          <a:srcRect/>
+          <a:stretch>
+            <a:fillRect/>
+          </a:stretch>
+        </p:blipFill>
+        <p:spPr bwMode="auto">
+          <a:xfrm>
+            <a:off x="3538451" y="784604"/>
+            <a:ext cx="3457142" cy="2291591"/>
+          </a:xfrm>
+          <a:prstGeom prst="rect">
+            <a:avLst/>
+          </a:prstGeom>
+          <a:noFill/>
+          <a:extLst>
+            <a:ext uri="{909E8E84-426E-40DD-AFC4-6F175D3DCCD1}">
+              <a14:hiddenFill xmlns:a14="http://schemas.microsoft.com/office/drawing/2010/main">
+                <a:solidFill>
+                  <a:srgbClr val="FFFFFF"/>
+                </a:solidFill>
+              </a14:hiddenFill>
+            </a:ext>
+          </a:extLst>
+        </p:spPr>
+      </p:pic>
+      <p:pic>
+        <p:nvPicPr>
+          <p:cNvPr id="1032" name="Picture 8" descr="Resultado de imagen para coca cola"/>
+          <p:cNvPicPr>
+            <a:picLocks noChangeAspect="1" noChangeArrowheads="1"/>
+          </p:cNvPicPr>
+          <p:nvPr/>
+        </p:nvPicPr>
+        <p:blipFill>
+          <a:blip r:embed="rId6">
+            <a:extLst>
+              <a:ext uri="{28A0092B-C50C-407E-A947-70E740481C1C}">
+                <a14:useLocalDpi xmlns:a14="http://schemas.microsoft.com/office/drawing/2010/main" val="0"/>
+              </a:ext>
+            </a:extLst>
+          </a:blip>
+          <a:srcRect/>
+          <a:stretch>
+            <a:fillRect/>
+          </a:stretch>
+        </p:blipFill>
+        <p:spPr bwMode="auto">
+          <a:xfrm>
+            <a:off x="4072693" y="3906411"/>
+            <a:ext cx="2217930" cy="2217930"/>
+          </a:xfrm>
+          <a:prstGeom prst="rect">
+            <a:avLst/>
+          </a:prstGeom>
+          <a:noFill/>
+          <a:extLst>
+            <a:ext uri="{909E8E84-426E-40DD-AFC4-6F175D3DCCD1}">
+              <a14:hiddenFill xmlns:a14="http://schemas.microsoft.com/office/drawing/2010/main">
+                <a:solidFill>
+                  <a:srgbClr val="FFFFFF"/>
+                </a:solidFill>
+              </a14:hiddenFill>
+            </a:ext>
+          </a:extLst>
+        </p:spPr>
+      </p:pic>
     </p:spTree>
     <p:extLst>
       <p:ext uri="{BB962C8B-B14F-4D97-AF65-F5344CB8AC3E}">
-        <p14:creationId xmlns:p14="http://schemas.microsoft.com/office/powerpoint/2010/main" val="3543418047"/>
+        <p14:creationId xmlns:p14="http://schemas.microsoft.com/office/powerpoint/2010/main" val="2272056698"/>
       </p:ext>
     </p:extLst>
   </p:cSld>
   <p:clrMapOvr>
     <a:masterClrMapping/>
   </p:clrMapOvr>
-  <p:timing>
-    <p:tnLst>
-      <p:par>
-        <p:cTn id="1" dur="indefinite" restart="never" nodeType="tmRoot"/>
-      </p:par>
-    </p:tnLst>
-  </p:timing>
 </p:sld>
 </file>
 
@@ -7219,100 +10042,93 @@
                   </a:outerShdw>
                 </a:effectLst>
               </a:rPr>
-              <a:t>Sesgo</a:t>
-            </a:r>
-            <a:r>
-              <a:rPr lang="es-MX" dirty="0" smtClean="0"/>
-              <a:t> de accesibilidad</a:t>
-            </a:r>
+              <a:t>Ejemplos</a:t>
+            </a:r>
+            <a:endParaRPr lang="es-MX" b="1" dirty="0">
+              <a:effectLst>
+                <a:outerShdw blurRad="38100" dist="38100" dir="2700000" algn="tl">
+                  <a:srgbClr val="000000">
+                    <a:alpha val="43137"/>
+                  </a:srgbClr>
+                </a:outerShdw>
+              </a:effectLst>
+            </a:endParaRPr>
+          </a:p>
+        </p:txBody>
+      </p:sp>
+      <p:sp>
+        <p:nvSpPr>
+          <p:cNvPr id="3" name="Marcador de contenido 2"/>
+          <p:cNvSpPr>
+            <a:spLocks noGrp="1"/>
+          </p:cNvSpPr>
+          <p:nvPr>
+            <p:ph idx="1"/>
+          </p:nvPr>
+        </p:nvSpPr>
+        <p:spPr/>
+        <p:txBody>
+          <a:bodyPr/>
+          <a:lstStyle/>
+          <a:p>
+            <a:endParaRPr lang="es-MX" dirty="0" smtClean="0"/>
+          </a:p>
+          <a:p>
             <a:endParaRPr lang="es-MX" dirty="0"/>
           </a:p>
         </p:txBody>
       </p:sp>
-      <p:sp>
-        <p:nvSpPr>
-          <p:cNvPr id="3" name="Marcador de contenido 2"/>
-          <p:cNvSpPr>
-            <a:spLocks noGrp="1"/>
-          </p:cNvSpPr>
-          <p:nvPr>
-            <p:ph idx="1"/>
-          </p:nvPr>
-        </p:nvSpPr>
-        <p:spPr>
+      <p:pic>
+        <p:nvPicPr>
+          <p:cNvPr id="1026" name="Picture 2" descr="Resultado de imagen para meme will smith steals car"/>
+          <p:cNvPicPr>
+            <a:picLocks noChangeAspect="1" noChangeArrowheads="1"/>
+          </p:cNvPicPr>
+          <p:nvPr/>
+        </p:nvPicPr>
+        <p:blipFill>
+          <a:blip r:embed="rId2">
+            <a:extLst>
+              <a:ext uri="{28A0092B-C50C-407E-A947-70E740481C1C}">
+                <a14:useLocalDpi xmlns:a14="http://schemas.microsoft.com/office/drawing/2010/main" val="0"/>
+              </a:ext>
+            </a:extLst>
+          </a:blip>
+          <a:srcRect/>
+          <a:stretch>
+            <a:fillRect/>
+          </a:stretch>
+        </p:blipFill>
+        <p:spPr bwMode="auto">
           <a:xfrm>
-            <a:off x="677333" y="2160589"/>
-            <a:ext cx="8711365" cy="3880773"/>
+            <a:off x="3785443" y="323669"/>
+            <a:ext cx="5734091" cy="6284564"/>
           </a:xfrm>
+          <a:prstGeom prst="rect">
+            <a:avLst/>
+          </a:prstGeom>
+          <a:noFill/>
+          <a:extLst>
+            <a:ext uri="{909E8E84-426E-40DD-AFC4-6F175D3DCCD1}">
+              <a14:hiddenFill xmlns:a14="http://schemas.microsoft.com/office/drawing/2010/main">
+                <a:solidFill>
+                  <a:srgbClr val="FFFFFF"/>
+                </a:solidFill>
+              </a14:hiddenFill>
+            </a:ext>
+          </a:extLst>
         </p:spPr>
-        <p:txBody>
-          <a:bodyPr>
-            <a:normAutofit/>
-          </a:bodyPr>
-          <a:lstStyle/>
-          <a:p>
-            <a:pPr algn="just"/>
-            <a:r>
-              <a:rPr lang="es-MX" sz="2300" dirty="0" smtClean="0"/>
-              <a:t>Implica </a:t>
-            </a:r>
-            <a:r>
-              <a:rPr lang="es-MX" sz="2300" b="1" dirty="0" smtClean="0"/>
-              <a:t>sobreestimar </a:t>
-            </a:r>
-            <a:r>
-              <a:rPr lang="es-MX" sz="2300" dirty="0" smtClean="0"/>
-              <a:t>la importancia de la información que tenemos disponible o más cercana. </a:t>
-            </a:r>
-          </a:p>
-          <a:p>
-            <a:pPr algn="just"/>
-            <a:endParaRPr lang="es-MX" sz="2300" dirty="0"/>
-          </a:p>
-          <a:p>
-            <a:pPr algn="just"/>
-            <a:r>
-              <a:rPr lang="es-MX" sz="2300" b="1" dirty="0" smtClean="0"/>
-              <a:t>EJEMPLO:</a:t>
-            </a:r>
-          </a:p>
-          <a:p>
-            <a:pPr lvl="1" algn="just"/>
-            <a:r>
-              <a:rPr lang="es-MX" sz="2100" dirty="0" smtClean="0"/>
-              <a:t>¿Qué es más probable: morir en un avión o morir en un accidente automovilístico?</a:t>
-            </a:r>
-          </a:p>
-          <a:p>
-            <a:pPr lvl="1" algn="just"/>
-            <a:r>
-              <a:rPr lang="es-MX" sz="2100" dirty="0" smtClean="0"/>
-              <a:t>Si una pareja tiene un primer hijo varón, ¿cuál es la probabilidad de que su siguiente cría sea niña?</a:t>
-            </a:r>
-          </a:p>
-          <a:p>
-            <a:pPr lvl="1" algn="just"/>
-            <a:endParaRPr lang="es-MX" sz="2100" dirty="0"/>
-          </a:p>
-        </p:txBody>
-      </p:sp>
+      </p:pic>
     </p:spTree>
     <p:extLst>
       <p:ext uri="{BB962C8B-B14F-4D97-AF65-F5344CB8AC3E}">
-        <p14:creationId xmlns:p14="http://schemas.microsoft.com/office/powerpoint/2010/main" val="2473520759"/>
+        <p14:creationId xmlns:p14="http://schemas.microsoft.com/office/powerpoint/2010/main" val="2002763436"/>
       </p:ext>
     </p:extLst>
   </p:cSld>
   <p:clrMapOvr>
     <a:masterClrMapping/>
   </p:clrMapOvr>
-  <p:timing>
-    <p:tnLst>
-      <p:par>
-        <p:cTn id="1" dur="indefinite" restart="never" nodeType="tmRoot"/>
-      </p:par>
-    </p:tnLst>
-  </p:timing>
 </p:sld>
 </file>
 
@@ -7349,16 +10165,8 @@
           <a:lstStyle/>
           <a:p>
             <a:r>
-              <a:rPr lang="es-MX" b="1" dirty="0" smtClean="0">
-                <a:effectLst>
-                  <a:outerShdw blurRad="38100" dist="38100" dir="2700000" algn="tl">
-                    <a:srgbClr val="000000">
-                      <a:alpha val="43137"/>
-                    </a:srgbClr>
-                  </a:outerShdw>
-                </a:effectLst>
-              </a:rPr>
-              <a:t>Sesgo</a:t>
+              <a:rPr lang="es-MX" b="1" dirty="0" smtClean="0"/>
+              <a:t>Heurístico</a:t>
             </a:r>
             <a:r>
               <a:rPr lang="es-MX" dirty="0" smtClean="0"/>
@@ -7381,35 +10189,42 @@
         <p:spPr>
           <a:xfrm>
             <a:off x="677333" y="2160589"/>
-            <a:ext cx="8711365" cy="3880773"/>
+            <a:ext cx="8840153" cy="3880773"/>
           </a:xfrm>
         </p:spPr>
         <p:txBody>
-          <a:bodyPr>
-            <a:normAutofit/>
-          </a:bodyPr>
-          <a:lstStyle/>
-          <a:p>
-            <a:pPr lvl="1" algn="just"/>
-            <a:r>
-              <a:rPr lang="es-MX" sz="2100" dirty="0" smtClean="0"/>
-              <a:t>Otros ejemplos:</a:t>
-            </a:r>
-          </a:p>
-          <a:p>
-            <a:pPr lvl="1" algn="just"/>
-            <a:endParaRPr lang="es-MX" sz="2100" dirty="0"/>
-          </a:p>
-          <a:p>
-            <a:pPr lvl="1" algn="just"/>
-            <a:endParaRPr lang="es-MX" sz="2100" dirty="0" smtClean="0"/>
+          <a:bodyPr/>
+          <a:lstStyle/>
+          <a:p>
+            <a:pPr algn="just"/>
+            <a:r>
+              <a:rPr lang="es-MX" sz="2300" dirty="0" smtClean="0"/>
+              <a:t>Cuando queremos juzgar </a:t>
+            </a:r>
+            <a:r>
+              <a:rPr lang="es-MX" sz="2300" u="sng" dirty="0" smtClean="0"/>
+              <a:t>qué tan probable es que algo ocurra,</a:t>
+            </a:r>
+            <a:r>
+              <a:rPr lang="es-MX" sz="2300" dirty="0" smtClean="0"/>
+              <a:t> solemos recurrir a la información que tenemos “más cercana” para hacer un estimado.</a:t>
+            </a:r>
+          </a:p>
+          <a:p>
+            <a:endParaRPr lang="es-MX" dirty="0"/>
+          </a:p>
+          <a:p>
+            <a:pPr marL="0" indent="0">
+              <a:buNone/>
+            </a:pPr>
+            <a:endParaRPr lang="es-MX" dirty="0" smtClean="0"/>
           </a:p>
         </p:txBody>
       </p:sp>
     </p:spTree>
     <p:extLst>
       <p:ext uri="{BB962C8B-B14F-4D97-AF65-F5344CB8AC3E}">
-        <p14:creationId xmlns:p14="http://schemas.microsoft.com/office/powerpoint/2010/main" val="2753083660"/>
+        <p14:creationId xmlns:p14="http://schemas.microsoft.com/office/powerpoint/2010/main" val="685573548"/>
       </p:ext>
     </p:extLst>
   </p:cSld>
@@ -7459,8 +10274,20 @@
           <a:lstStyle/>
           <a:p>
             <a:r>
+              <a:rPr lang="es-MX" b="1" dirty="0" smtClean="0">
+                <a:effectLst>
+                  <a:outerShdw blurRad="38100" dist="38100" dir="2700000" algn="tl">
+                    <a:srgbClr val="000000">
+                      <a:alpha val="43137"/>
+                    </a:srgbClr>
+                  </a:outerShdw>
+                </a:effectLst>
+              </a:rPr>
+              <a:t>Sesgo</a:t>
+            </a:r>
+            <a:r>
               <a:rPr lang="es-MX" dirty="0" smtClean="0"/>
-              <a:t>Heurístico de impacto</a:t>
+              <a:t> de accesibilidad</a:t>
             </a:r>
             <a:endParaRPr lang="es-MX" dirty="0"/>
           </a:p>
@@ -7476,37 +10303,60 @@
             <p:ph idx="1"/>
           </p:nvPr>
         </p:nvSpPr>
-        <p:spPr/>
-        <p:txBody>
-          <a:bodyPr/>
-          <a:lstStyle/>
-          <a:p>
-            <a:r>
-              <a:rPr lang="es-MX" sz="2500" dirty="0" smtClean="0"/>
-              <a:t>Perseguimos metas y evitamos conductas nocivas con base en el impacto que creemos que sus consecuencias tendrán en nuestra vida y nuestras emociones. </a:t>
-            </a:r>
-          </a:p>
-          <a:p>
-            <a:endParaRPr lang="es-MX" sz="2500" dirty="0"/>
-          </a:p>
-          <a:p>
-            <a:r>
-              <a:rPr lang="es-MX" sz="2500" dirty="0" smtClean="0"/>
-              <a:t>Asumimos que las consecuencias positivas serán “muy positivas” y las consecuencias negativas, “muy negativas”.</a:t>
-            </a:r>
-          </a:p>
-          <a:p>
-            <a:endParaRPr lang="es-MX" dirty="0"/>
-          </a:p>
-          <a:p>
-            <a:endParaRPr lang="es-MX" dirty="0"/>
+        <p:spPr>
+          <a:xfrm>
+            <a:off x="677333" y="2160589"/>
+            <a:ext cx="8711365" cy="3880773"/>
+          </a:xfrm>
+        </p:spPr>
+        <p:txBody>
+          <a:bodyPr>
+            <a:normAutofit/>
+          </a:bodyPr>
+          <a:lstStyle/>
+          <a:p>
+            <a:pPr algn="just"/>
+            <a:r>
+              <a:rPr lang="es-MX" sz="2300" dirty="0" smtClean="0"/>
+              <a:t>Implica </a:t>
+            </a:r>
+            <a:r>
+              <a:rPr lang="es-MX" sz="2300" b="1" dirty="0" smtClean="0"/>
+              <a:t>sobreestimar </a:t>
+            </a:r>
+            <a:r>
+              <a:rPr lang="es-MX" sz="2300" dirty="0" smtClean="0"/>
+              <a:t>la importancia de la información que tenemos disponible o más cercana. </a:t>
+            </a:r>
+          </a:p>
+          <a:p>
+            <a:pPr algn="just"/>
+            <a:endParaRPr lang="es-MX" sz="2300" dirty="0"/>
+          </a:p>
+          <a:p>
+            <a:pPr algn="just"/>
+            <a:r>
+              <a:rPr lang="es-MX" sz="2300" b="1" dirty="0" smtClean="0"/>
+              <a:t>EJEMPLO:</a:t>
+            </a:r>
+          </a:p>
+          <a:p>
+            <a:pPr lvl="1" algn="just"/>
+            <a:r>
+              <a:rPr lang="es-MX" sz="2100" dirty="0" smtClean="0"/>
+              <a:t>¿Qué es más probable: morir en un avión o morir en un accidente automovilístico?</a:t>
+            </a:r>
+          </a:p>
+          <a:p>
+            <a:pPr lvl="1" algn="just"/>
+            <a:endParaRPr lang="es-MX" sz="2100" dirty="0"/>
           </a:p>
         </p:txBody>
       </p:sp>
     </p:spTree>
     <p:extLst>
       <p:ext uri="{BB962C8B-B14F-4D97-AF65-F5344CB8AC3E}">
-        <p14:creationId xmlns:p14="http://schemas.microsoft.com/office/powerpoint/2010/main" val="2706526653"/>
+        <p14:creationId xmlns:p14="http://schemas.microsoft.com/office/powerpoint/2010/main" val="3543418047"/>
       </p:ext>
     </p:extLst>
   </p:cSld>
@@ -7556,8 +10406,20 @@
           <a:lstStyle/>
           <a:p>
             <a:r>
+              <a:rPr lang="es-MX" b="1" dirty="0" smtClean="0">
+                <a:effectLst>
+                  <a:outerShdw blurRad="38100" dist="38100" dir="2700000" algn="tl">
+                    <a:srgbClr val="000000">
+                      <a:alpha val="43137"/>
+                    </a:srgbClr>
+                  </a:outerShdw>
+                </a:effectLst>
+              </a:rPr>
+              <a:t>Sesgo</a:t>
+            </a:r>
+            <a:r>
               <a:rPr lang="es-MX" dirty="0" smtClean="0"/>
-              <a:t>Sesgo de impacto</a:t>
+              <a:t> de accesibilidad</a:t>
             </a:r>
             <a:endParaRPr lang="es-MX" dirty="0"/>
           </a:p>
@@ -7573,62 +10435,67 @@
             <p:ph idx="1"/>
           </p:nvPr>
         </p:nvSpPr>
-        <p:spPr/>
-        <p:txBody>
-          <a:bodyPr/>
-          <a:lstStyle/>
-          <a:p>
-            <a:r>
-              <a:rPr lang="es-MX" dirty="0" smtClean="0"/>
-              <a:t>Tendencia a sobreestimar el impacto y duración de nuestra reacción emocional  a eventos futuros</a:t>
-            </a:r>
-          </a:p>
-          <a:p>
-            <a:endParaRPr lang="es-MX" dirty="0"/>
-          </a:p>
-          <a:p>
-            <a:endParaRPr lang="es-MX" dirty="0" smtClean="0"/>
-          </a:p>
-          <a:p>
-            <a:r>
-              <a:rPr lang="es-MX" dirty="0" smtClean="0"/>
-              <a:t>Por ejemplo: </a:t>
-            </a:r>
-          </a:p>
-          <a:p>
-            <a:pPr lvl="1"/>
-            <a:r>
-              <a:rPr lang="es-MX" dirty="0" smtClean="0"/>
-              <a:t>“Si saco un 10 este parcial seré el más feliz del universo”</a:t>
-            </a:r>
-          </a:p>
-          <a:p>
-            <a:pPr lvl="1"/>
-            <a:r>
-              <a:rPr lang="es-MX" dirty="0" smtClean="0"/>
-              <a:t>“Si bajo de peso me sentiré bien conmigo mismo (a)”</a:t>
-            </a:r>
-          </a:p>
-          <a:p>
-            <a:pPr lvl="1"/>
-            <a:r>
-              <a:rPr lang="es-MX" dirty="0" smtClean="0"/>
-              <a:t>“Sino me quedo en la Universidad que quiero, habré desperdiciado mi vida”</a:t>
-            </a:r>
-          </a:p>
-          <a:p>
-            <a:pPr lvl="1"/>
-            <a:r>
-              <a:rPr lang="es-MX" dirty="0" smtClean="0"/>
-              <a:t>“Si gano la lotería seré la persona más rica y feliz de la Tierra”</a:t>
-            </a:r>
+        <p:spPr>
+          <a:xfrm>
+            <a:off x="677333" y="2160589"/>
+            <a:ext cx="8711365" cy="3880773"/>
+          </a:xfrm>
+        </p:spPr>
+        <p:txBody>
+          <a:bodyPr>
+            <a:normAutofit/>
+          </a:bodyPr>
+          <a:lstStyle/>
+          <a:p>
+            <a:pPr algn="just"/>
+            <a:r>
+              <a:rPr lang="es-MX" sz="2300" dirty="0" smtClean="0"/>
+              <a:t>Implica </a:t>
+            </a:r>
+            <a:r>
+              <a:rPr lang="es-MX" sz="2300" b="1" dirty="0" smtClean="0"/>
+              <a:t>sobreestimar </a:t>
+            </a:r>
+            <a:r>
+              <a:rPr lang="es-MX" sz="2300" dirty="0" smtClean="0"/>
+              <a:t>la importancia de la información que tenemos disponible o más cercana. </a:t>
+            </a:r>
+          </a:p>
+          <a:p>
+            <a:pPr algn="just"/>
+            <a:endParaRPr lang="es-MX" sz="2300" dirty="0"/>
+          </a:p>
+          <a:p>
+            <a:pPr algn="just"/>
+            <a:r>
+              <a:rPr lang="es-MX" sz="2300" b="1" dirty="0" smtClean="0"/>
+              <a:t>EJEMPLO:</a:t>
+            </a:r>
+          </a:p>
+          <a:p>
+            <a:pPr lvl="1" algn="just"/>
+            <a:r>
+              <a:rPr lang="es-MX" sz="2100" dirty="0" smtClean="0"/>
+              <a:t>¿Qué es más probable: morir en un avión o morir en un accidente automovilístico?</a:t>
+            </a:r>
+          </a:p>
+          <a:p>
+            <a:pPr lvl="1" algn="just"/>
+            <a:r>
+              <a:rPr lang="es-MX" sz="2100" dirty="0" smtClean="0"/>
+              <a:t>Si una pareja tiene un primer hijo varón, ¿cuál es la probabilidad de que su siguiente cría sea niña?</a:t>
+            </a:r>
+          </a:p>
+          <a:p>
+            <a:pPr lvl="1" algn="just"/>
+            <a:endParaRPr lang="es-MX" sz="2100" dirty="0"/>
           </a:p>
         </p:txBody>
       </p:sp>
     </p:spTree>
     <p:extLst>
       <p:ext uri="{BB962C8B-B14F-4D97-AF65-F5344CB8AC3E}">
-        <p14:creationId xmlns:p14="http://schemas.microsoft.com/office/powerpoint/2010/main" val="3439209712"/>
+        <p14:creationId xmlns:p14="http://schemas.microsoft.com/office/powerpoint/2010/main" val="2473520759"/>
       </p:ext>
     </p:extLst>
   </p:cSld>

--- a/JeanPiaget/Presentaciones/Bonus_Heuristios-Sesgos.pptx
+++ b/JeanPiaget/Presentaciones/Bonus_Heuristios-Sesgos.pptx
@@ -903,7 +903,7 @@
           <a:p>
             <a:fld id="{ADAE9AF7-8AFE-4614-9C84-C65BF15FA8B3}" type="datetimeFigureOut">
               <a:rPr lang="es-MX" smtClean="0"/>
-              <a:t>11/04/2019</a:t>
+              <a:t>12/04/2019</a:t>
             </a:fld>
             <a:endParaRPr lang="es-MX"/>
           </a:p>
@@ -1154,7 +1154,7 @@
           <a:p>
             <a:fld id="{ADAE9AF7-8AFE-4614-9C84-C65BF15FA8B3}" type="datetimeFigureOut">
               <a:rPr lang="es-MX" smtClean="0"/>
-              <a:t>11/04/2019</a:t>
+              <a:t>12/04/2019</a:t>
             </a:fld>
             <a:endParaRPr lang="es-MX"/>
           </a:p>
@@ -1468,7 +1468,7 @@
           <a:p>
             <a:fld id="{ADAE9AF7-8AFE-4614-9C84-C65BF15FA8B3}" type="datetimeFigureOut">
               <a:rPr lang="es-MX" smtClean="0"/>
-              <a:t>11/04/2019</a:t>
+              <a:t>12/04/2019</a:t>
             </a:fld>
             <a:endParaRPr lang="es-MX"/>
           </a:p>
@@ -1809,7 +1809,7 @@
           <a:p>
             <a:fld id="{ADAE9AF7-8AFE-4614-9C84-C65BF15FA8B3}" type="datetimeFigureOut">
               <a:rPr lang="es-MX" smtClean="0"/>
-              <a:t>11/04/2019</a:t>
+              <a:t>12/04/2019</a:t>
             </a:fld>
             <a:endParaRPr lang="es-MX"/>
           </a:p>
@@ -2123,7 +2123,7 @@
           <a:p>
             <a:fld id="{ADAE9AF7-8AFE-4614-9C84-C65BF15FA8B3}" type="datetimeFigureOut">
               <a:rPr lang="es-MX" smtClean="0"/>
-              <a:t>11/04/2019</a:t>
+              <a:t>12/04/2019</a:t>
             </a:fld>
             <a:endParaRPr lang="es-MX"/>
           </a:p>
@@ -2516,7 +2516,7 @@
           <a:p>
             <a:fld id="{ADAE9AF7-8AFE-4614-9C84-C65BF15FA8B3}" type="datetimeFigureOut">
               <a:rPr lang="es-MX" smtClean="0"/>
-              <a:t>11/04/2019</a:t>
+              <a:t>12/04/2019</a:t>
             </a:fld>
             <a:endParaRPr lang="es-MX"/>
           </a:p>
@@ -2686,7 +2686,7 @@
           <a:p>
             <a:fld id="{ADAE9AF7-8AFE-4614-9C84-C65BF15FA8B3}" type="datetimeFigureOut">
               <a:rPr lang="es-MX" smtClean="0"/>
-              <a:t>11/04/2019</a:t>
+              <a:t>12/04/2019</a:t>
             </a:fld>
             <a:endParaRPr lang="es-MX"/>
           </a:p>
@@ -2866,7 +2866,7 @@
           <a:p>
             <a:fld id="{ADAE9AF7-8AFE-4614-9C84-C65BF15FA8B3}" type="datetimeFigureOut">
               <a:rPr lang="es-MX" smtClean="0"/>
-              <a:t>11/04/2019</a:t>
+              <a:t>12/04/2019</a:t>
             </a:fld>
             <a:endParaRPr lang="es-MX"/>
           </a:p>
@@ -3042,7 +3042,7 @@
           <a:p>
             <a:fld id="{ADAE9AF7-8AFE-4614-9C84-C65BF15FA8B3}" type="datetimeFigureOut">
               <a:rPr lang="es-MX" smtClean="0"/>
-              <a:t>11/04/2019</a:t>
+              <a:t>12/04/2019</a:t>
             </a:fld>
             <a:endParaRPr lang="es-MX"/>
           </a:p>
@@ -3289,7 +3289,7 @@
           <a:p>
             <a:fld id="{ADAE9AF7-8AFE-4614-9C84-C65BF15FA8B3}" type="datetimeFigureOut">
               <a:rPr lang="es-MX" smtClean="0"/>
-              <a:t>11/04/2019</a:t>
+              <a:t>12/04/2019</a:t>
             </a:fld>
             <a:endParaRPr lang="es-MX"/>
           </a:p>
@@ -3521,7 +3521,7 @@
           <a:p>
             <a:fld id="{ADAE9AF7-8AFE-4614-9C84-C65BF15FA8B3}" type="datetimeFigureOut">
               <a:rPr lang="es-MX" smtClean="0"/>
-              <a:t>11/04/2019</a:t>
+              <a:t>12/04/2019</a:t>
             </a:fld>
             <a:endParaRPr lang="es-MX"/>
           </a:p>
@@ -3895,7 +3895,7 @@
           <a:p>
             <a:fld id="{ADAE9AF7-8AFE-4614-9C84-C65BF15FA8B3}" type="datetimeFigureOut">
               <a:rPr lang="es-MX" smtClean="0"/>
-              <a:t>11/04/2019</a:t>
+              <a:t>12/04/2019</a:t>
             </a:fld>
             <a:endParaRPr lang="es-MX"/>
           </a:p>
@@ -4018,7 +4018,7 @@
           <a:p>
             <a:fld id="{ADAE9AF7-8AFE-4614-9C84-C65BF15FA8B3}" type="datetimeFigureOut">
               <a:rPr lang="es-MX" smtClean="0"/>
-              <a:t>11/04/2019</a:t>
+              <a:t>12/04/2019</a:t>
             </a:fld>
             <a:endParaRPr lang="es-MX"/>
           </a:p>
@@ -4113,7 +4113,7 @@
           <a:p>
             <a:fld id="{ADAE9AF7-8AFE-4614-9C84-C65BF15FA8B3}" type="datetimeFigureOut">
               <a:rPr lang="es-MX" smtClean="0"/>
-              <a:t>11/04/2019</a:t>
+              <a:t>12/04/2019</a:t>
             </a:fld>
             <a:endParaRPr lang="es-MX"/>
           </a:p>
@@ -4368,7 +4368,7 @@
           <a:p>
             <a:fld id="{ADAE9AF7-8AFE-4614-9C84-C65BF15FA8B3}" type="datetimeFigureOut">
               <a:rPr lang="es-MX" smtClean="0"/>
-              <a:t>11/04/2019</a:t>
+              <a:t>12/04/2019</a:t>
             </a:fld>
             <a:endParaRPr lang="es-MX"/>
           </a:p>
@@ -4631,7 +4631,7 @@
           <a:p>
             <a:fld id="{ADAE9AF7-8AFE-4614-9C84-C65BF15FA8B3}" type="datetimeFigureOut">
               <a:rPr lang="es-MX" smtClean="0"/>
-              <a:t>11/04/2019</a:t>
+              <a:t>12/04/2019</a:t>
             </a:fld>
             <a:endParaRPr lang="es-MX"/>
           </a:p>
@@ -5374,7 +5374,7 @@
           <a:p>
             <a:fld id="{ADAE9AF7-8AFE-4614-9C84-C65BF15FA8B3}" type="datetimeFigureOut">
               <a:rPr lang="es-MX" smtClean="0"/>
-              <a:t>11/04/2019</a:t>
+              <a:t>12/04/2019</a:t>
             </a:fld>
             <a:endParaRPr lang="es-MX"/>
           </a:p>
@@ -6043,7 +6043,6 @@
               <a:rPr lang="es-MX" sz="2100" dirty="0" smtClean="0"/>
               <a:t>¿Otros ejemplos?</a:t>
             </a:r>
-            <a:endParaRPr lang="es-MX" sz="2100" dirty="0" smtClean="0"/>
           </a:p>
           <a:p>
             <a:pPr lvl="1" algn="just"/>
@@ -6154,7 +6153,6 @@
               <a:rPr lang="es-MX" sz="2100" dirty="0" smtClean="0"/>
               <a:t>¿Otros ejemplos?</a:t>
             </a:r>
-            <a:endParaRPr lang="es-MX" sz="2100" dirty="0" smtClean="0"/>
           </a:p>
           <a:p>
             <a:pPr lvl="1" algn="just"/>
@@ -6834,11 +6832,7 @@
             </a:r>
             <a:r>
               <a:rPr lang="es-MX" dirty="0" smtClean="0"/>
-              <a:t>de </a:t>
-            </a:r>
-            <a:r>
-              <a:rPr lang="es-MX" dirty="0" smtClean="0"/>
-              <a:t>anclaje</a:t>
+              <a:t>de anclaje</a:t>
             </a:r>
             <a:endParaRPr lang="es-MX" dirty="0"/>
           </a:p>
@@ -6936,11 +6930,7 @@
             </a:r>
             <a:r>
               <a:rPr lang="es-MX" dirty="0" smtClean="0"/>
-              <a:t>de </a:t>
-            </a:r>
-            <a:r>
-              <a:rPr lang="es-MX" dirty="0" smtClean="0"/>
-              <a:t>anclaje</a:t>
+              <a:t>de anclaje</a:t>
             </a:r>
             <a:endParaRPr lang="es-MX" dirty="0"/>
           </a:p>
@@ -8157,6 +8147,13 @@
   <p:clrMapOvr>
     <a:masterClrMapping/>
   </p:clrMapOvr>
+  <p:timing>
+    <p:tnLst>
+      <p:par>
+        <p:cTn id="1" dur="indefinite" restart="never" nodeType="tmRoot"/>
+      </p:par>
+    </p:tnLst>
+  </p:timing>
 </p:sld>
 </file>
 
@@ -8512,8 +8509,8 @@
         </p:blipFill>
         <p:spPr>
           <a:xfrm>
-            <a:off x="5359401" y="2644779"/>
-            <a:ext cx="6096000" cy="4057650"/>
+            <a:off x="677334" y="259798"/>
+            <a:ext cx="10778067" cy="7174151"/>
           </a:xfrm>
           <a:prstGeom prst="rect">
             <a:avLst/>
@@ -8530,6 +8527,13 @@
   <p:clrMapOvr>
     <a:masterClrMapping/>
   </p:clrMapOvr>
+  <p:timing>
+    <p:tnLst>
+      <p:par>
+        <p:cTn id="1" dur="indefinite" restart="never" nodeType="tmRoot"/>
+      </p:par>
+    </p:tnLst>
+  </p:timing>
 </p:sld>
 </file>
 
@@ -8614,8 +8618,8 @@
         </p:blipFill>
         <p:spPr>
           <a:xfrm>
-            <a:off x="6527801" y="4422112"/>
-            <a:ext cx="5667375" cy="1619250"/>
+            <a:off x="11529" y="2560320"/>
+            <a:ext cx="12183647" cy="3481042"/>
           </a:xfrm>
           <a:prstGeom prst="rect">
             <a:avLst/>
@@ -8741,6 +8745,13 @@
   <p:clrMapOvr>
     <a:masterClrMapping/>
   </p:clrMapOvr>
+  <p:timing>
+    <p:tnLst>
+      <p:par>
+        <p:cTn id="1" dur="indefinite" restart="never" nodeType="tmRoot"/>
+      </p:par>
+    </p:tnLst>
+  </p:timing>
 </p:sld>
 </file>
 
@@ -8929,6 +8940,13 @@
   <p:clrMapOvr>
     <a:masterClrMapping/>
   </p:clrMapOvr>
+  <p:timing>
+    <p:tnLst>
+      <p:par>
+        <p:cTn id="1" dur="indefinite" restart="never" nodeType="tmRoot"/>
+      </p:par>
+    </p:tnLst>
+  </p:timing>
 </p:sld>
 </file>
 
@@ -9077,6 +9095,13 @@
   <p:clrMapOvr>
     <a:masterClrMapping/>
   </p:clrMapOvr>
+  <p:timing>
+    <p:tnLst>
+      <p:par>
+        <p:cTn id="1" dur="indefinite" restart="never" nodeType="tmRoot"/>
+      </p:par>
+    </p:tnLst>
+  </p:timing>
 </p:sld>
 </file>
 
@@ -9225,6 +9250,13 @@
   <p:clrMapOvr>
     <a:masterClrMapping/>
   </p:clrMapOvr>
+  <p:timing>
+    <p:tnLst>
+      <p:par>
+        <p:cTn id="1" dur="indefinite" restart="never" nodeType="tmRoot"/>
+      </p:par>
+    </p:tnLst>
+  </p:timing>
 </p:sld>
 </file>
 
@@ -9331,6 +9363,13 @@
   <p:clrMapOvr>
     <a:masterClrMapping/>
   </p:clrMapOvr>
+  <p:timing>
+    <p:tnLst>
+      <p:par>
+        <p:cTn id="1" dur="indefinite" restart="never" nodeType="tmRoot"/>
+      </p:par>
+    </p:tnLst>
+  </p:timing>
 </p:sld>
 </file>
 
@@ -9652,7 +9691,6 @@
               <a:rPr lang="es-MX" dirty="0" smtClean="0"/>
               <a:t> que nos permite responder de manera pronta.</a:t>
             </a:r>
-            <a:endParaRPr lang="es-MX" dirty="0" smtClean="0"/>
           </a:p>
           <a:p>
             <a:pPr algn="just"/>
@@ -9673,15 +9711,7 @@
             <a:pPr algn="just"/>
             <a:r>
               <a:rPr lang="es-MX" dirty="0" smtClean="0"/>
-              <a:t>El verdadero problema empieza cuando </a:t>
-            </a:r>
-            <a:r>
-              <a:rPr lang="es-MX" dirty="0" smtClean="0"/>
-              <a:t>asumimos como verdaderas </a:t>
-            </a:r>
-            <a:r>
-              <a:rPr lang="es-MX" dirty="0" smtClean="0"/>
-              <a:t>estas asociaciones o semejanzas y se utilizan para preservar y continuar con la difusión de </a:t>
+              <a:t>El verdadero problema empieza cuando asumimos como verdaderas estas asociaciones o semejanzas y se utilizan para preservar y continuar con la difusión de </a:t>
             </a:r>
             <a:r>
               <a:rPr lang="es-MX" b="1" u="sng" dirty="0" smtClean="0"/>
@@ -9701,6 +9731,13 @@
   <p:clrMapOvr>
     <a:masterClrMapping/>
   </p:clrMapOvr>
+  <p:timing>
+    <p:tnLst>
+      <p:par>
+        <p:cTn id="1" dur="indefinite" restart="never" nodeType="tmRoot"/>
+      </p:par>
+    </p:tnLst>
+  </p:timing>
 </p:sld>
 </file>
 
@@ -9997,6 +10034,13 @@
   <p:clrMapOvr>
     <a:masterClrMapping/>
   </p:clrMapOvr>
+  <p:timing>
+    <p:tnLst>
+      <p:par>
+        <p:cTn id="1" dur="indefinite" restart="never" nodeType="tmRoot"/>
+      </p:par>
+    </p:tnLst>
+  </p:timing>
 </p:sld>
 </file>
 
@@ -10129,6 +10173,13 @@
   <p:clrMapOvr>
     <a:masterClrMapping/>
   </p:clrMapOvr>
+  <p:timing>
+    <p:tnLst>
+      <p:par>
+        <p:cTn id="1" dur="indefinite" restart="never" nodeType="tmRoot"/>
+      </p:par>
+    </p:tnLst>
+  </p:timing>
 </p:sld>
 </file>
 
